--- a/2018-PRACE/Clava-Tutorial-Intro.pptx
+++ b/2018-PRACE/Clava-Tutorial-Intro.pptx
@@ -10,21 +10,21 @@
   <p:sldIdLst>
     <p:sldId id="256" r:id="rId2"/>
     <p:sldId id="384" r:id="rId3"/>
-    <p:sldId id="472" r:id="rId4"/>
-    <p:sldId id="473" r:id="rId5"/>
-    <p:sldId id="439" r:id="rId6"/>
-    <p:sldId id="456" r:id="rId7"/>
-    <p:sldId id="457" r:id="rId8"/>
-    <p:sldId id="458" r:id="rId9"/>
-    <p:sldId id="460" r:id="rId10"/>
-    <p:sldId id="461" r:id="rId11"/>
-    <p:sldId id="476" r:id="rId12"/>
-    <p:sldId id="478" r:id="rId13"/>
-    <p:sldId id="479" r:id="rId14"/>
-    <p:sldId id="480" r:id="rId15"/>
-    <p:sldId id="481" r:id="rId16"/>
-    <p:sldId id="482" r:id="rId17"/>
-    <p:sldId id="477" r:id="rId18"/>
+    <p:sldId id="483" r:id="rId4"/>
+    <p:sldId id="472" r:id="rId5"/>
+    <p:sldId id="473" r:id="rId6"/>
+    <p:sldId id="439" r:id="rId7"/>
+    <p:sldId id="456" r:id="rId8"/>
+    <p:sldId id="457" r:id="rId9"/>
+    <p:sldId id="458" r:id="rId10"/>
+    <p:sldId id="460" r:id="rId11"/>
+    <p:sldId id="461" r:id="rId12"/>
+    <p:sldId id="476" r:id="rId13"/>
+    <p:sldId id="478" r:id="rId14"/>
+    <p:sldId id="479" r:id="rId15"/>
+    <p:sldId id="480" r:id="rId16"/>
+    <p:sldId id="481" r:id="rId17"/>
+    <p:sldId id="482" r:id="rId18"/>
     <p:sldId id="445" r:id="rId19"/>
     <p:sldId id="444" r:id="rId20"/>
     <p:sldId id="474" r:id="rId21"/>
@@ -134,6 +134,7 @@
           <p14:sldIdLst>
             <p14:sldId id="256"/>
             <p14:sldId id="384"/>
+            <p14:sldId id="483"/>
             <p14:sldId id="472"/>
             <p14:sldId id="473"/>
             <p14:sldId id="439"/>
@@ -148,7 +149,6 @@
             <p14:sldId id="480"/>
             <p14:sldId id="481"/>
             <p14:sldId id="482"/>
-            <p14:sldId id="477"/>
           </p14:sldIdLst>
         </p14:section>
         <p14:section name="Backup" id="{4FB6FABA-96AC-493F-AB5C-3ECE333F106A}">
@@ -269,7 +269,7 @@
           <a:p>
             <a:fld id="{66AE5350-AC3F-450D-9BE8-FD18FF5D5C25}" type="datetimeFigureOut">
               <a:rPr lang="pt-PT" smtClean="0"/>
-              <a:t>22/10/2018</a:t>
+              <a:t>23/10/2018</a:t>
             </a:fld>
             <a:endParaRPr lang="pt-PT"/>
           </a:p>
@@ -697,7 +697,7 @@
               <a:pPr>
                 <a:defRPr/>
               </a:pPr>
-              <a:t>10</a:t>
+              <a:t>11</a:t>
             </a:fld>
             <a:endParaRPr lang="pt-PT"/>
           </a:p>
@@ -1546,7 +1546,7 @@
           <a:p>
             <a:fld id="{D1162CF4-3569-435E-B63C-806161BC9797}" type="slidenum">
               <a:rPr lang="pt-PT" smtClean="0"/>
-              <a:t>3</a:t>
+              <a:t>4</a:t>
             </a:fld>
             <a:endParaRPr lang="pt-PT"/>
           </a:p>
@@ -1839,7 +1839,7 @@
           <a:p>
             <a:fld id="{D1162CF4-3569-435E-B63C-806161BC9797}" type="slidenum">
               <a:rPr lang="pt-PT" smtClean="0"/>
-              <a:t>4</a:t>
+              <a:t>5</a:t>
             </a:fld>
             <a:endParaRPr lang="pt-PT"/>
           </a:p>
@@ -1951,7 +1951,7 @@
           <a:p>
             <a:fld id="{D1162CF4-3569-435E-B63C-806161BC9797}" type="slidenum">
               <a:rPr lang="pt-PT" smtClean="0"/>
-              <a:t>5</a:t>
+              <a:t>6</a:t>
             </a:fld>
             <a:endParaRPr lang="pt-PT"/>
           </a:p>
@@ -2039,7 +2039,7 @@
           <a:p>
             <a:fld id="{D1162CF4-3569-435E-B63C-806161BC9797}" type="slidenum">
               <a:rPr lang="pt-PT" smtClean="0"/>
-              <a:t>6</a:t>
+              <a:t>7</a:t>
             </a:fld>
             <a:endParaRPr lang="pt-PT"/>
           </a:p>
@@ -2143,7 +2143,7 @@
           <a:p>
             <a:fld id="{D1162CF4-3569-435E-B63C-806161BC9797}" type="slidenum">
               <a:rPr lang="pt-PT" smtClean="0"/>
-              <a:t>7</a:t>
+              <a:t>8</a:t>
             </a:fld>
             <a:endParaRPr lang="pt-PT"/>
           </a:p>
@@ -2255,7 +2255,7 @@
           <a:p>
             <a:fld id="{D1162CF4-3569-435E-B63C-806161BC9797}" type="slidenum">
               <a:rPr lang="pt-PT" smtClean="0"/>
-              <a:t>8</a:t>
+              <a:t>9</a:t>
             </a:fld>
             <a:endParaRPr lang="pt-PT"/>
           </a:p>
@@ -2350,7 +2350,7 @@
               <a:pPr>
                 <a:defRPr/>
               </a:pPr>
-              <a:t>9</a:t>
+              <a:t>10</a:t>
             </a:fld>
             <a:endParaRPr lang="pt-PT"/>
           </a:p>
@@ -2500,7 +2500,7 @@
           <a:p>
             <a:fld id="{0880A5D9-4097-4A6C-8088-0841273FE47A}" type="datetime1">
               <a:rPr lang="pt-PT" smtClean="0"/>
-              <a:t>22/10/2018</a:t>
+              <a:t>23/10/2018</a:t>
             </a:fld>
             <a:endParaRPr lang="pt-PT"/>
           </a:p>
@@ -2670,7 +2670,7 @@
           <a:p>
             <a:fld id="{5321D5B1-B843-4CEB-B5BF-0E0325A81FBE}" type="datetime1">
               <a:rPr lang="pt-PT" smtClean="0"/>
-              <a:t>22/10/2018</a:t>
+              <a:t>23/10/2018</a:t>
             </a:fld>
             <a:endParaRPr lang="pt-PT"/>
           </a:p>
@@ -2850,7 +2850,7 @@
           <a:p>
             <a:fld id="{6700CC93-6365-4109-81E9-C756FF5E382B}" type="datetime1">
               <a:rPr lang="pt-PT" smtClean="0"/>
-              <a:t>22/10/2018</a:t>
+              <a:t>23/10/2018</a:t>
             </a:fld>
             <a:endParaRPr lang="pt-PT"/>
           </a:p>
@@ -3020,7 +3020,7 @@
           <a:p>
             <a:fld id="{1F0AD53C-67ED-41F4-B8B4-46B74DB9B88E}" type="datetime1">
               <a:rPr lang="pt-PT" smtClean="0"/>
-              <a:t>22/10/2018</a:t>
+              <a:t>23/10/2018</a:t>
             </a:fld>
             <a:endParaRPr lang="pt-PT"/>
           </a:p>
@@ -3285,7 +3285,7 @@
           <a:p>
             <a:fld id="{95A3DF60-08F3-423F-BC2C-5A39B101E248}" type="datetime1">
               <a:rPr lang="pt-PT" smtClean="0"/>
-              <a:t>22/10/2018</a:t>
+              <a:t>23/10/2018</a:t>
             </a:fld>
             <a:endParaRPr lang="pt-PT"/>
           </a:p>
@@ -3524,7 +3524,7 @@
           <a:p>
             <a:fld id="{D22F3CE2-7CA6-418F-86FA-715C1A17D2FE}" type="datetime1">
               <a:rPr lang="pt-PT" smtClean="0"/>
-              <a:t>22/10/2018</a:t>
+              <a:t>23/10/2018</a:t>
             </a:fld>
             <a:endParaRPr lang="pt-PT"/>
           </a:p>
@@ -3891,7 +3891,7 @@
           <a:p>
             <a:fld id="{C768C065-5A09-4F5D-93F7-27A7FE0A18C6}" type="datetime1">
               <a:rPr lang="pt-PT" smtClean="0"/>
-              <a:t>22/10/2018</a:t>
+              <a:t>23/10/2018</a:t>
             </a:fld>
             <a:endParaRPr lang="pt-PT"/>
           </a:p>
@@ -4009,7 +4009,7 @@
           <a:p>
             <a:fld id="{3629EFB8-4EDE-4888-8F14-1A56D2237630}" type="datetime1">
               <a:rPr lang="pt-PT" smtClean="0"/>
-              <a:t>22/10/2018</a:t>
+              <a:t>23/10/2018</a:t>
             </a:fld>
             <a:endParaRPr lang="pt-PT"/>
           </a:p>
@@ -4104,7 +4104,7 @@
           <a:p>
             <a:fld id="{250FF9E8-EEF6-4D9F-A0F4-85C3FCE92D05}" type="datetime1">
               <a:rPr lang="pt-PT" smtClean="0"/>
-              <a:t>22/10/2018</a:t>
+              <a:t>23/10/2018</a:t>
             </a:fld>
             <a:endParaRPr lang="pt-PT"/>
           </a:p>
@@ -4381,7 +4381,7 @@
           <a:p>
             <a:fld id="{677FAEAC-3DCA-4F73-99D8-9EBA4021D811}" type="datetime1">
               <a:rPr lang="pt-PT" smtClean="0"/>
-              <a:t>22/10/2018</a:t>
+              <a:t>23/10/2018</a:t>
             </a:fld>
             <a:endParaRPr lang="pt-PT"/>
           </a:p>
@@ -4638,7 +4638,7 @@
           <a:p>
             <a:fld id="{2A6A5DB0-2047-4E92-A27F-4E2C282137CB}" type="datetime1">
               <a:rPr lang="pt-PT" smtClean="0"/>
-              <a:t>22/10/2018</a:t>
+              <a:t>23/10/2018</a:t>
             </a:fld>
             <a:endParaRPr lang="pt-PT"/>
           </a:p>
@@ -4851,7 +4851,7 @@
           <a:p>
             <a:fld id="{2AD45C63-42A9-4CCA-AA89-802A76D98AB4}" type="datetime1">
               <a:rPr lang="pt-PT" smtClean="0"/>
-              <a:t>22/10/2018</a:t>
+              <a:t>23/10/2018</a:t>
             </a:fld>
             <a:endParaRPr lang="pt-PT"/>
           </a:p>
@@ -5573,7 +5573,7 @@
       </p:pic>
       <p:pic>
         <p:nvPicPr>
-          <p:cNvPr id="5" name="Picture 4" descr="Screen Clipping"/>
+          <p:cNvPr id="4" name="Picture 3" descr="Screen Clipping"/>
           <p:cNvPicPr>
             <a:picLocks noChangeAspect="1"/>
           </p:cNvPicPr>
@@ -5593,8 +5593,8 @@
         </p:blipFill>
         <p:spPr>
           <a:xfrm>
-            <a:off x="4859473" y="2360829"/>
-            <a:ext cx="3432978" cy="1807825"/>
+            <a:off x="4995493" y="2158345"/>
+            <a:ext cx="2919446" cy="2220332"/>
           </a:xfrm>
           <a:prstGeom prst="rect">
             <a:avLst/>
@@ -5621,8 +5621,8 @@
         </p:nvSpPr>
         <p:spPr>
           <a:xfrm>
-            <a:off x="1836784" y="1767066"/>
-            <a:ext cx="1752328" cy="553998"/>
+            <a:off x="2213951" y="2073184"/>
+            <a:ext cx="1079398" cy="553998"/>
           </a:xfrm>
           <a:prstGeom prst="rect">
             <a:avLst/>
@@ -5643,34 +5643,21 @@
                   <a:schemeClr val="bg1"/>
                 </a:solidFill>
               </a:rPr>
-              <a:t>Reusable </a:t>
-            </a:r>
-            <a:r>
-              <a:rPr lang="en-GB" sz="1500" dirty="0" smtClean="0">
-                <a:solidFill>
-                  <a:schemeClr val="bg1"/>
-                </a:solidFill>
-              </a:rPr>
-              <a:t>Between Different Languages</a:t>
-            </a:r>
-            <a:endParaRPr lang="en-GB" sz="1500" dirty="0">
-              <a:solidFill>
-                <a:schemeClr val="bg1"/>
-              </a:solidFill>
-            </a:endParaRPr>
-          </a:p>
-        </p:txBody>
-      </p:sp>
-      <p:sp>
-        <p:nvSpPr>
-          <p:cNvPr id="9" name="TextBox 8"/>
+              <a:t>Reusable Strategies</a:t>
+            </a:r>
+          </a:p>
+        </p:txBody>
+      </p:sp>
+      <p:sp>
+        <p:nvSpPr>
+          <p:cNvPr id="8" name="TextBox 7"/>
           <p:cNvSpPr txBox="1"/>
           <p:nvPr/>
         </p:nvSpPr>
         <p:spPr>
           <a:xfrm>
-            <a:off x="4699728" y="2228850"/>
-            <a:ext cx="1981255" cy="323165"/>
+            <a:off x="4671489" y="2301475"/>
+            <a:ext cx="1257300" cy="553998"/>
           </a:xfrm>
           <a:prstGeom prst="rect">
             <a:avLst/>
@@ -5685,15 +5672,27 @@
           </a:bodyPr>
           <a:lstStyle/>
           <a:p>
-            <a:pPr algn="ctr"/>
-            <a:r>
-              <a:rPr lang="en-GB" sz="1500" dirty="0">
+            <a:r>
+              <a:rPr lang="en-US" sz="1500" dirty="0">
                 <a:solidFill>
                   <a:schemeClr val="bg1"/>
                 </a:solidFill>
               </a:rPr>
-              <a:t>Design Exploration</a:t>
-            </a:r>
+              <a:t>Custom </a:t>
+            </a:r>
+            <a:r>
+              <a:rPr lang="en-US" sz="1500" dirty="0" err="1">
+                <a:solidFill>
+                  <a:schemeClr val="bg1"/>
+                </a:solidFill>
+              </a:rPr>
+              <a:t>Targetability</a:t>
+            </a:r>
+            <a:endParaRPr lang="en-US" sz="1500" dirty="0">
+              <a:solidFill>
+                <a:schemeClr val="bg1"/>
+              </a:solidFill>
+            </a:endParaRPr>
           </a:p>
         </p:txBody>
       </p:sp>
@@ -5715,12 +5714,12 @@
           <a:lstStyle/>
           <a:p>
             <a:r>
-              <a:rPr lang="en-US" dirty="0"/>
+              <a:rPr lang="en-US" noProof="0" dirty="0" smtClean="0"/>
               <a:t>LARA Reusability and </a:t>
             </a:r>
             <a:r>
-              <a:rPr lang="en-US" dirty="0" smtClean="0"/>
-              <a:t>DSE</a:t>
+              <a:rPr lang="en-US" noProof="0" dirty="0" err="1" smtClean="0"/>
+              <a:t>Targetability</a:t>
             </a:r>
             <a:endParaRPr lang="en-US" noProof="0" dirty="0"/>
           </a:p>
@@ -5752,14 +5751,14 @@
       </p:sp>
       <p:sp>
         <p:nvSpPr>
-          <p:cNvPr id="4" name="TextBox 3"/>
+          <p:cNvPr id="5" name="TextBox 4"/>
           <p:cNvSpPr txBox="1"/>
           <p:nvPr/>
         </p:nvSpPr>
         <p:spPr>
           <a:xfrm>
-            <a:off x="1438235" y="2323986"/>
-            <a:ext cx="578633" cy="307777"/>
+            <a:off x="1756237" y="4621107"/>
+            <a:ext cx="9165763" cy="300082"/>
           </a:xfrm>
           <a:prstGeom prst="rect">
             <a:avLst/>
@@ -5772,240 +5771,14 @@
           </a:bodyPr>
           <a:lstStyle/>
           <a:p>
-            <a:r>
-              <a:rPr lang="en-US" sz="1400" b="1" dirty="0" smtClean="0">
-                <a:solidFill>
-                  <a:schemeClr val="accent2">
-                    <a:lumMod val="75000"/>
-                  </a:schemeClr>
-                </a:solidFill>
-              </a:rPr>
-              <a:t>Java</a:t>
-            </a:r>
-            <a:endParaRPr lang="en-US" sz="1400" b="1" dirty="0">
-              <a:solidFill>
-                <a:schemeClr val="accent2">
-                  <a:lumMod val="75000"/>
-                </a:schemeClr>
-              </a:solidFill>
-            </a:endParaRPr>
-          </a:p>
-        </p:txBody>
-      </p:sp>
-      <p:sp>
-        <p:nvSpPr>
-          <p:cNvPr id="13" name="TextBox 12"/>
-          <p:cNvSpPr txBox="1"/>
-          <p:nvPr/>
-        </p:nvSpPr>
-        <p:spPr>
-          <a:xfrm>
-            <a:off x="1508971" y="2989652"/>
-            <a:ext cx="578633" cy="307777"/>
-          </a:xfrm>
-          <a:prstGeom prst="rect">
-            <a:avLst/>
-          </a:prstGeom>
-          <a:noFill/>
-        </p:spPr>
-        <p:txBody>
-          <a:bodyPr wrap="square" rtlCol="0">
-            <a:spAutoFit/>
-          </a:bodyPr>
-          <a:lstStyle/>
-          <a:p>
-            <a:r>
-              <a:rPr lang="en-US" sz="1400" b="1" dirty="0" smtClean="0">
-                <a:solidFill>
-                  <a:schemeClr val="accent2">
-                    <a:lumMod val="75000"/>
-                  </a:schemeClr>
-                </a:solidFill>
-              </a:rPr>
-              <a:t>C</a:t>
-            </a:r>
-            <a:endParaRPr lang="en-US" sz="1400" b="1" dirty="0">
-              <a:solidFill>
-                <a:schemeClr val="accent2">
-                  <a:lumMod val="75000"/>
-                </a:schemeClr>
-              </a:solidFill>
-            </a:endParaRPr>
-          </a:p>
-        </p:txBody>
-      </p:sp>
-      <p:sp>
-        <p:nvSpPr>
-          <p:cNvPr id="14" name="TextBox 13"/>
-          <p:cNvSpPr txBox="1"/>
-          <p:nvPr/>
-        </p:nvSpPr>
-        <p:spPr>
-          <a:xfrm>
-            <a:off x="1322232" y="3759213"/>
-            <a:ext cx="810637" cy="276999"/>
-          </a:xfrm>
-          <a:prstGeom prst="rect">
-            <a:avLst/>
-          </a:prstGeom>
-          <a:noFill/>
-        </p:spPr>
-        <p:txBody>
-          <a:bodyPr wrap="square" rtlCol="0">
-            <a:spAutoFit/>
-          </a:bodyPr>
-          <a:lstStyle/>
-          <a:p>
-            <a:r>
-              <a:rPr lang="en-US" sz="1200" b="1" dirty="0" smtClean="0">
-                <a:solidFill>
-                  <a:schemeClr val="accent2">
-                    <a:lumMod val="75000"/>
-                  </a:schemeClr>
-                </a:solidFill>
-              </a:rPr>
-              <a:t>MATLAB</a:t>
-            </a:r>
-            <a:endParaRPr lang="en-US" sz="1200" b="1" dirty="0">
-              <a:solidFill>
-                <a:schemeClr val="accent2">
-                  <a:lumMod val="75000"/>
-                </a:schemeClr>
-              </a:solidFill>
-            </a:endParaRPr>
-          </a:p>
-        </p:txBody>
-      </p:sp>
-      <p:sp>
-        <p:nvSpPr>
-          <p:cNvPr id="15" name="TextBox 14"/>
-          <p:cNvSpPr txBox="1"/>
-          <p:nvPr/>
-        </p:nvSpPr>
-        <p:spPr>
-          <a:xfrm>
-            <a:off x="3492445" y="2321064"/>
-            <a:ext cx="578633" cy="307777"/>
-          </a:xfrm>
-          <a:prstGeom prst="rect">
-            <a:avLst/>
-          </a:prstGeom>
-          <a:noFill/>
-        </p:spPr>
-        <p:txBody>
-          <a:bodyPr wrap="square" rtlCol="0">
-            <a:spAutoFit/>
-          </a:bodyPr>
-          <a:lstStyle/>
-          <a:p>
-            <a:r>
-              <a:rPr lang="en-US" sz="1400" b="1" dirty="0" smtClean="0">
-                <a:solidFill>
-                  <a:schemeClr val="accent2">
-                    <a:lumMod val="75000"/>
-                  </a:schemeClr>
-                </a:solidFill>
-              </a:rPr>
-              <a:t>Java</a:t>
-            </a:r>
-            <a:endParaRPr lang="en-US" sz="1400" b="1" dirty="0">
-              <a:solidFill>
-                <a:schemeClr val="accent2">
-                  <a:lumMod val="75000"/>
-                </a:schemeClr>
-              </a:solidFill>
-            </a:endParaRPr>
-          </a:p>
-        </p:txBody>
-      </p:sp>
-      <p:sp>
-        <p:nvSpPr>
-          <p:cNvPr id="16" name="TextBox 15"/>
-          <p:cNvSpPr txBox="1"/>
-          <p:nvPr/>
-        </p:nvSpPr>
-        <p:spPr>
-          <a:xfrm>
-            <a:off x="3563181" y="2986730"/>
-            <a:ext cx="578633" cy="307777"/>
-          </a:xfrm>
-          <a:prstGeom prst="rect">
-            <a:avLst/>
-          </a:prstGeom>
-          <a:noFill/>
-        </p:spPr>
-        <p:txBody>
-          <a:bodyPr wrap="square" rtlCol="0">
-            <a:spAutoFit/>
-          </a:bodyPr>
-          <a:lstStyle/>
-          <a:p>
-            <a:r>
-              <a:rPr lang="en-US" sz="1400" b="1" dirty="0" smtClean="0">
-                <a:solidFill>
-                  <a:schemeClr val="accent2">
-                    <a:lumMod val="75000"/>
-                  </a:schemeClr>
-                </a:solidFill>
-              </a:rPr>
-              <a:t>C</a:t>
-            </a:r>
-            <a:endParaRPr lang="en-US" sz="1400" b="1" dirty="0">
-              <a:solidFill>
-                <a:schemeClr val="accent2">
-                  <a:lumMod val="75000"/>
-                </a:schemeClr>
-              </a:solidFill>
-            </a:endParaRPr>
-          </a:p>
-        </p:txBody>
-      </p:sp>
-      <p:sp>
-        <p:nvSpPr>
-          <p:cNvPr id="17" name="TextBox 16"/>
-          <p:cNvSpPr txBox="1"/>
-          <p:nvPr/>
-        </p:nvSpPr>
-        <p:spPr>
-          <a:xfrm>
-            <a:off x="3376442" y="3756291"/>
-            <a:ext cx="810637" cy="276999"/>
-          </a:xfrm>
-          <a:prstGeom prst="rect">
-            <a:avLst/>
-          </a:prstGeom>
-          <a:noFill/>
-        </p:spPr>
-        <p:txBody>
-          <a:bodyPr wrap="square" rtlCol="0">
-            <a:spAutoFit/>
-          </a:bodyPr>
-          <a:lstStyle/>
-          <a:p>
-            <a:r>
-              <a:rPr lang="en-US" sz="1200" b="1" dirty="0" smtClean="0">
-                <a:solidFill>
-                  <a:schemeClr val="accent2">
-                    <a:lumMod val="75000"/>
-                  </a:schemeClr>
-                </a:solidFill>
-              </a:rPr>
-              <a:t>MATLAB</a:t>
-            </a:r>
-            <a:endParaRPr lang="en-US" sz="1200" b="1" dirty="0">
-              <a:solidFill>
-                <a:schemeClr val="accent2">
-                  <a:lumMod val="75000"/>
-                </a:schemeClr>
-              </a:solidFill>
-            </a:endParaRPr>
+            <a:endParaRPr lang="en-US" dirty="0"/>
           </a:p>
         </p:txBody>
       </p:sp>
     </p:spTree>
     <p:extLst>
       <p:ext uri="{BB962C8B-B14F-4D97-AF65-F5344CB8AC3E}">
-        <p14:creationId xmlns:p14="http://schemas.microsoft.com/office/powerpoint/2010/main" val="3592892747"/>
+        <p14:creationId xmlns:p14="http://schemas.microsoft.com/office/powerpoint/2010/main" val="425610123"/>
       </p:ext>
     </p:extLst>
   </p:cSld>
@@ -6047,9 +5820,177 @@
           <a:chExt cx="0" cy="0"/>
         </a:xfrm>
       </p:grpSpPr>
-      <p:sp>
-        <p:nvSpPr>
-          <p:cNvPr id="2" name="Title 1"/>
+      <p:pic>
+        <p:nvPicPr>
+          <p:cNvPr id="3" name="Picture 2" descr="Screen Clipping"/>
+          <p:cNvPicPr>
+            <a:picLocks noChangeAspect="1"/>
+          </p:cNvPicPr>
+          <p:nvPr/>
+        </p:nvPicPr>
+        <p:blipFill>
+          <a:blip r:embed="rId3" cstate="email">
+            <a:extLst>
+              <a:ext uri="{28A0092B-C50C-407E-A947-70E740481C1C}">
+                <a14:useLocalDpi xmlns:a14="http://schemas.microsoft.com/office/drawing/2010/main" val="0"/>
+              </a:ext>
+            </a:extLst>
+          </a:blip>
+          <a:stretch>
+            <a:fillRect/>
+          </a:stretch>
+        </p:blipFill>
+        <p:spPr>
+          <a:xfrm>
+            <a:off x="1270728" y="2228850"/>
+            <a:ext cx="2800350" cy="2149827"/>
+          </a:xfrm>
+          <a:prstGeom prst="rect">
+            <a:avLst/>
+          </a:prstGeom>
+          <a:ln w="12700">
+            <a:solidFill>
+              <a:schemeClr val="tx1"/>
+            </a:solidFill>
+          </a:ln>
+          <a:effectLst>
+            <a:outerShdw blurRad="190500" algn="tl" rotWithShape="0">
+              <a:srgbClr val="000000">
+                <a:alpha val="70000"/>
+              </a:srgbClr>
+            </a:outerShdw>
+          </a:effectLst>
+        </p:spPr>
+      </p:pic>
+      <p:pic>
+        <p:nvPicPr>
+          <p:cNvPr id="5" name="Picture 4" descr="Screen Clipping"/>
+          <p:cNvPicPr>
+            <a:picLocks noChangeAspect="1"/>
+          </p:cNvPicPr>
+          <p:nvPr/>
+        </p:nvPicPr>
+        <p:blipFill>
+          <a:blip r:embed="rId4" cstate="email">
+            <a:extLst>
+              <a:ext uri="{28A0092B-C50C-407E-A947-70E740481C1C}">
+                <a14:useLocalDpi xmlns:a14="http://schemas.microsoft.com/office/drawing/2010/main" val="0"/>
+              </a:ext>
+            </a:extLst>
+          </a:blip>
+          <a:stretch>
+            <a:fillRect/>
+          </a:stretch>
+        </p:blipFill>
+        <p:spPr>
+          <a:xfrm>
+            <a:off x="4859473" y="2360829"/>
+            <a:ext cx="3432978" cy="1807825"/>
+          </a:xfrm>
+          <a:prstGeom prst="rect">
+            <a:avLst/>
+          </a:prstGeom>
+          <a:ln w="12700">
+            <a:solidFill>
+              <a:schemeClr val="tx1"/>
+            </a:solidFill>
+          </a:ln>
+          <a:effectLst>
+            <a:outerShdw blurRad="190500" algn="tl" rotWithShape="0">
+              <a:srgbClr val="000000">
+                <a:alpha val="70000"/>
+              </a:srgbClr>
+            </a:outerShdw>
+          </a:effectLst>
+        </p:spPr>
+      </p:pic>
+      <p:sp>
+        <p:nvSpPr>
+          <p:cNvPr id="7" name="TextBox 6"/>
+          <p:cNvSpPr txBox="1"/>
+          <p:nvPr/>
+        </p:nvSpPr>
+        <p:spPr>
+          <a:xfrm>
+            <a:off x="1836784" y="1767066"/>
+            <a:ext cx="1752328" cy="553998"/>
+          </a:xfrm>
+          <a:prstGeom prst="rect">
+            <a:avLst/>
+          </a:prstGeom>
+          <a:solidFill>
+            <a:srgbClr val="002060"/>
+          </a:solidFill>
+        </p:spPr>
+        <p:txBody>
+          <a:bodyPr wrap="square" rtlCol="0">
+            <a:spAutoFit/>
+          </a:bodyPr>
+          <a:lstStyle/>
+          <a:p>
+            <a:r>
+              <a:rPr lang="en-GB" sz="1500" dirty="0">
+                <a:solidFill>
+                  <a:schemeClr val="bg1"/>
+                </a:solidFill>
+              </a:rPr>
+              <a:t>Reusable </a:t>
+            </a:r>
+            <a:r>
+              <a:rPr lang="en-GB" sz="1500" dirty="0" smtClean="0">
+                <a:solidFill>
+                  <a:schemeClr val="bg1"/>
+                </a:solidFill>
+              </a:rPr>
+              <a:t>Between Different Languages</a:t>
+            </a:r>
+            <a:endParaRPr lang="en-GB" sz="1500" dirty="0">
+              <a:solidFill>
+                <a:schemeClr val="bg1"/>
+              </a:solidFill>
+            </a:endParaRPr>
+          </a:p>
+        </p:txBody>
+      </p:sp>
+      <p:sp>
+        <p:nvSpPr>
+          <p:cNvPr id="9" name="TextBox 8"/>
+          <p:cNvSpPr txBox="1"/>
+          <p:nvPr/>
+        </p:nvSpPr>
+        <p:spPr>
+          <a:xfrm>
+            <a:off x="4699728" y="2228850"/>
+            <a:ext cx="1981255" cy="323165"/>
+          </a:xfrm>
+          <a:prstGeom prst="rect">
+            <a:avLst/>
+          </a:prstGeom>
+          <a:solidFill>
+            <a:srgbClr val="002060"/>
+          </a:solidFill>
+        </p:spPr>
+        <p:txBody>
+          <a:bodyPr wrap="square" rtlCol="0">
+            <a:spAutoFit/>
+          </a:bodyPr>
+          <a:lstStyle/>
+          <a:p>
+            <a:pPr algn="ctr"/>
+            <a:r>
+              <a:rPr lang="en-GB" sz="1500" dirty="0">
+                <a:solidFill>
+                  <a:schemeClr val="bg1"/>
+                </a:solidFill>
+              </a:rPr>
+              <a:t>Design Exploration</a:t>
+            </a:r>
+          </a:p>
+        </p:txBody>
+      </p:sp>
+      <p:sp>
+        <p:nvSpPr>
+          <p:cNvPr id="10" name="Title 9"/>
           <p:cNvSpPr>
             <a:spLocks noGrp="1"/>
           </p:cNvSpPr>
@@ -6059,81 +6000,26 @@
         </p:nvSpPr>
         <p:spPr/>
         <p:txBody>
-          <a:bodyPr/>
-          <a:lstStyle/>
-          <a:p>
+          <a:bodyPr>
+            <a:normAutofit/>
+          </a:bodyPr>
+          <a:lstStyle/>
+          <a:p>
+            <a:r>
+              <a:rPr lang="en-US" dirty="0"/>
+              <a:t>LARA Reusability and </a:t>
+            </a:r>
             <a:r>
               <a:rPr lang="en-US" dirty="0" smtClean="0"/>
-              <a:t>Hands-on</a:t>
-            </a:r>
-            <a:endParaRPr lang="pt-PT" dirty="0"/>
-          </a:p>
-        </p:txBody>
-      </p:sp>
-      <p:sp>
-        <p:nvSpPr>
-          <p:cNvPr id="3" name="Content Placeholder 2"/>
-          <p:cNvSpPr>
-            <a:spLocks noGrp="1"/>
-          </p:cNvSpPr>
-          <p:nvPr>
-            <p:ph idx="1"/>
-          </p:nvPr>
-        </p:nvSpPr>
-        <p:spPr/>
-        <p:txBody>
-          <a:bodyPr/>
-          <a:lstStyle/>
-          <a:p>
-            <a:r>
-              <a:rPr lang="en-US" dirty="0" smtClean="0"/>
-              <a:t>Getting Started</a:t>
-            </a:r>
-          </a:p>
-          <a:p>
-            <a:endParaRPr lang="en-US" dirty="0"/>
-          </a:p>
-          <a:p>
-            <a:r>
-              <a:rPr lang="en-US" dirty="0" smtClean="0"/>
-              <a:t>Objectives</a:t>
-            </a:r>
-          </a:p>
-          <a:p>
-            <a:pPr lvl="1"/>
-            <a:r>
-              <a:rPr lang="en-US" dirty="0" smtClean="0"/>
-              <a:t>Open the Virtual Machine</a:t>
-            </a:r>
-          </a:p>
-          <a:p>
-            <a:pPr lvl="1"/>
-            <a:r>
-              <a:rPr lang="en-US" dirty="0" smtClean="0"/>
-              <a:t>Find the tutorial folder</a:t>
-            </a:r>
-          </a:p>
-          <a:p>
-            <a:pPr lvl="1"/>
-            <a:r>
-              <a:rPr lang="en-US" dirty="0" smtClean="0"/>
-              <a:t>Run </a:t>
-            </a:r>
-            <a:r>
-              <a:rPr lang="en-US" dirty="0" err="1" smtClean="0"/>
-              <a:t>Clava</a:t>
-            </a:r>
-            <a:r>
-              <a:rPr lang="en-US" dirty="0" smtClean="0"/>
-              <a:t> GUI</a:t>
-            </a:r>
-            <a:endParaRPr lang="pt-PT" dirty="0"/>
-          </a:p>
-        </p:txBody>
-      </p:sp>
-      <p:sp>
-        <p:nvSpPr>
-          <p:cNvPr id="4" name="Slide Number Placeholder 3"/>
+              <a:t>DSE</a:t>
+            </a:r>
+            <a:endParaRPr lang="en-US" noProof="0" dirty="0"/>
+          </a:p>
+        </p:txBody>
+      </p:sp>
+      <p:sp>
+        <p:nvSpPr>
+          <p:cNvPr id="12" name="Slide Number Placeholder 11"/>
           <p:cNvSpPr>
             <a:spLocks noGrp="1"/>
           </p:cNvSpPr>
@@ -6155,16 +6041,283 @@
           </a:p>
         </p:txBody>
       </p:sp>
+      <p:sp>
+        <p:nvSpPr>
+          <p:cNvPr id="4" name="TextBox 3"/>
+          <p:cNvSpPr txBox="1"/>
+          <p:nvPr/>
+        </p:nvSpPr>
+        <p:spPr>
+          <a:xfrm>
+            <a:off x="1438235" y="2323986"/>
+            <a:ext cx="578633" cy="307777"/>
+          </a:xfrm>
+          <a:prstGeom prst="rect">
+            <a:avLst/>
+          </a:prstGeom>
+          <a:noFill/>
+        </p:spPr>
+        <p:txBody>
+          <a:bodyPr wrap="square" rtlCol="0">
+            <a:spAutoFit/>
+          </a:bodyPr>
+          <a:lstStyle/>
+          <a:p>
+            <a:r>
+              <a:rPr lang="en-US" sz="1400" b="1" dirty="0" smtClean="0">
+                <a:solidFill>
+                  <a:schemeClr val="accent2">
+                    <a:lumMod val="75000"/>
+                  </a:schemeClr>
+                </a:solidFill>
+              </a:rPr>
+              <a:t>Java</a:t>
+            </a:r>
+            <a:endParaRPr lang="en-US" sz="1400" b="1" dirty="0">
+              <a:solidFill>
+                <a:schemeClr val="accent2">
+                  <a:lumMod val="75000"/>
+                </a:schemeClr>
+              </a:solidFill>
+            </a:endParaRPr>
+          </a:p>
+        </p:txBody>
+      </p:sp>
+      <p:sp>
+        <p:nvSpPr>
+          <p:cNvPr id="13" name="TextBox 12"/>
+          <p:cNvSpPr txBox="1"/>
+          <p:nvPr/>
+        </p:nvSpPr>
+        <p:spPr>
+          <a:xfrm>
+            <a:off x="1508971" y="2989652"/>
+            <a:ext cx="578633" cy="307777"/>
+          </a:xfrm>
+          <a:prstGeom prst="rect">
+            <a:avLst/>
+          </a:prstGeom>
+          <a:noFill/>
+        </p:spPr>
+        <p:txBody>
+          <a:bodyPr wrap="square" rtlCol="0">
+            <a:spAutoFit/>
+          </a:bodyPr>
+          <a:lstStyle/>
+          <a:p>
+            <a:r>
+              <a:rPr lang="en-US" sz="1400" b="1" dirty="0" smtClean="0">
+                <a:solidFill>
+                  <a:schemeClr val="accent2">
+                    <a:lumMod val="75000"/>
+                  </a:schemeClr>
+                </a:solidFill>
+              </a:rPr>
+              <a:t>C</a:t>
+            </a:r>
+            <a:endParaRPr lang="en-US" sz="1400" b="1" dirty="0">
+              <a:solidFill>
+                <a:schemeClr val="accent2">
+                  <a:lumMod val="75000"/>
+                </a:schemeClr>
+              </a:solidFill>
+            </a:endParaRPr>
+          </a:p>
+        </p:txBody>
+      </p:sp>
+      <p:sp>
+        <p:nvSpPr>
+          <p:cNvPr id="14" name="TextBox 13"/>
+          <p:cNvSpPr txBox="1"/>
+          <p:nvPr/>
+        </p:nvSpPr>
+        <p:spPr>
+          <a:xfrm>
+            <a:off x="1322232" y="3759213"/>
+            <a:ext cx="810637" cy="276999"/>
+          </a:xfrm>
+          <a:prstGeom prst="rect">
+            <a:avLst/>
+          </a:prstGeom>
+          <a:noFill/>
+        </p:spPr>
+        <p:txBody>
+          <a:bodyPr wrap="square" rtlCol="0">
+            <a:spAutoFit/>
+          </a:bodyPr>
+          <a:lstStyle/>
+          <a:p>
+            <a:r>
+              <a:rPr lang="en-US" sz="1200" b="1" dirty="0" smtClean="0">
+                <a:solidFill>
+                  <a:schemeClr val="accent2">
+                    <a:lumMod val="75000"/>
+                  </a:schemeClr>
+                </a:solidFill>
+              </a:rPr>
+              <a:t>MATLAB</a:t>
+            </a:r>
+            <a:endParaRPr lang="en-US" sz="1200" b="1" dirty="0">
+              <a:solidFill>
+                <a:schemeClr val="accent2">
+                  <a:lumMod val="75000"/>
+                </a:schemeClr>
+              </a:solidFill>
+            </a:endParaRPr>
+          </a:p>
+        </p:txBody>
+      </p:sp>
+      <p:sp>
+        <p:nvSpPr>
+          <p:cNvPr id="15" name="TextBox 14"/>
+          <p:cNvSpPr txBox="1"/>
+          <p:nvPr/>
+        </p:nvSpPr>
+        <p:spPr>
+          <a:xfrm>
+            <a:off x="3492445" y="2321064"/>
+            <a:ext cx="578633" cy="307777"/>
+          </a:xfrm>
+          <a:prstGeom prst="rect">
+            <a:avLst/>
+          </a:prstGeom>
+          <a:noFill/>
+        </p:spPr>
+        <p:txBody>
+          <a:bodyPr wrap="square" rtlCol="0">
+            <a:spAutoFit/>
+          </a:bodyPr>
+          <a:lstStyle/>
+          <a:p>
+            <a:r>
+              <a:rPr lang="en-US" sz="1400" b="1" dirty="0" smtClean="0">
+                <a:solidFill>
+                  <a:schemeClr val="accent2">
+                    <a:lumMod val="75000"/>
+                  </a:schemeClr>
+                </a:solidFill>
+              </a:rPr>
+              <a:t>Java</a:t>
+            </a:r>
+            <a:endParaRPr lang="en-US" sz="1400" b="1" dirty="0">
+              <a:solidFill>
+                <a:schemeClr val="accent2">
+                  <a:lumMod val="75000"/>
+                </a:schemeClr>
+              </a:solidFill>
+            </a:endParaRPr>
+          </a:p>
+        </p:txBody>
+      </p:sp>
+      <p:sp>
+        <p:nvSpPr>
+          <p:cNvPr id="16" name="TextBox 15"/>
+          <p:cNvSpPr txBox="1"/>
+          <p:nvPr/>
+        </p:nvSpPr>
+        <p:spPr>
+          <a:xfrm>
+            <a:off x="3563181" y="2986730"/>
+            <a:ext cx="578633" cy="307777"/>
+          </a:xfrm>
+          <a:prstGeom prst="rect">
+            <a:avLst/>
+          </a:prstGeom>
+          <a:noFill/>
+        </p:spPr>
+        <p:txBody>
+          <a:bodyPr wrap="square" rtlCol="0">
+            <a:spAutoFit/>
+          </a:bodyPr>
+          <a:lstStyle/>
+          <a:p>
+            <a:r>
+              <a:rPr lang="en-US" sz="1400" b="1" dirty="0" smtClean="0">
+                <a:solidFill>
+                  <a:schemeClr val="accent2">
+                    <a:lumMod val="75000"/>
+                  </a:schemeClr>
+                </a:solidFill>
+              </a:rPr>
+              <a:t>C</a:t>
+            </a:r>
+            <a:endParaRPr lang="en-US" sz="1400" b="1" dirty="0">
+              <a:solidFill>
+                <a:schemeClr val="accent2">
+                  <a:lumMod val="75000"/>
+                </a:schemeClr>
+              </a:solidFill>
+            </a:endParaRPr>
+          </a:p>
+        </p:txBody>
+      </p:sp>
+      <p:sp>
+        <p:nvSpPr>
+          <p:cNvPr id="17" name="TextBox 16"/>
+          <p:cNvSpPr txBox="1"/>
+          <p:nvPr/>
+        </p:nvSpPr>
+        <p:spPr>
+          <a:xfrm>
+            <a:off x="3376442" y="3756291"/>
+            <a:ext cx="810637" cy="276999"/>
+          </a:xfrm>
+          <a:prstGeom prst="rect">
+            <a:avLst/>
+          </a:prstGeom>
+          <a:noFill/>
+        </p:spPr>
+        <p:txBody>
+          <a:bodyPr wrap="square" rtlCol="0">
+            <a:spAutoFit/>
+          </a:bodyPr>
+          <a:lstStyle/>
+          <a:p>
+            <a:r>
+              <a:rPr lang="en-US" sz="1200" b="1" dirty="0" smtClean="0">
+                <a:solidFill>
+                  <a:schemeClr val="accent2">
+                    <a:lumMod val="75000"/>
+                  </a:schemeClr>
+                </a:solidFill>
+              </a:rPr>
+              <a:t>MATLAB</a:t>
+            </a:r>
+            <a:endParaRPr lang="en-US" sz="1200" b="1" dirty="0">
+              <a:solidFill>
+                <a:schemeClr val="accent2">
+                  <a:lumMod val="75000"/>
+                </a:schemeClr>
+              </a:solidFill>
+            </a:endParaRPr>
+          </a:p>
+        </p:txBody>
+      </p:sp>
     </p:spTree>
     <p:extLst>
       <p:ext uri="{BB962C8B-B14F-4D97-AF65-F5344CB8AC3E}">
-        <p14:creationId xmlns:p14="http://schemas.microsoft.com/office/powerpoint/2010/main" val="2696817545"/>
+        <p14:creationId xmlns:p14="http://schemas.microsoft.com/office/powerpoint/2010/main" val="3592892747"/>
       </p:ext>
     </p:extLst>
   </p:cSld>
   <p:clrMapOvr>
     <a:masterClrMapping/>
   </p:clrMapOvr>
+  <mc:AlternateContent xmlns:mc="http://schemas.openxmlformats.org/markup-compatibility/2006" xmlns:p14="http://schemas.microsoft.com/office/powerpoint/2010/main">
+    <mc:Choice Requires="p14">
+      <p:transition p14:dur="0"/>
+    </mc:Choice>
+    <mc:Fallback xmlns="">
+      <p:transition/>
+    </mc:Fallback>
+  </mc:AlternateContent>
+  <p:timing>
+    <p:tnLst>
+      <p:par>
+        <p:cTn id="1" dur="indefinite" restart="never" nodeType="tmRoot"/>
+      </p:par>
+    </p:tnLst>
+  </p:timing>
 </p:sld>
 </file>
 
@@ -6225,13 +6378,8 @@
           <a:p>
             <a:r>
               <a:rPr lang="en-US" dirty="0" smtClean="0"/>
-              <a:t>1. </a:t>
-            </a:r>
-            <a:r>
-              <a:rPr lang="en-US" dirty="0" err="1" smtClean="0"/>
-              <a:t>CallGraph</a:t>
-            </a:r>
-            <a:endParaRPr lang="en-US" dirty="0" smtClean="0"/>
+              <a:t>Getting Started</a:t>
+            </a:r>
           </a:p>
           <a:p>
             <a:endParaRPr lang="en-US" dirty="0"/>
@@ -6246,16 +6394,53 @@
             <a:pPr lvl="1"/>
             <a:r>
               <a:rPr lang="en-US" dirty="0" smtClean="0"/>
-              <a:t>Read some LARA code</a:t>
+              <a:t>Open the Virtual Machine</a:t>
             </a:r>
           </a:p>
           <a:p>
             <a:pPr lvl="1"/>
             <a:r>
               <a:rPr lang="en-US" dirty="0" smtClean="0"/>
-              <a:t>Load and run a LARA strategy</a:t>
-            </a:r>
-            <a:endParaRPr lang="pt-PT" dirty="0"/>
+              <a:t>Find the tutorial folder</a:t>
+            </a:r>
+          </a:p>
+          <a:p>
+            <a:pPr lvl="1"/>
+            <a:r>
+              <a:rPr lang="en-US" dirty="0" smtClean="0"/>
+              <a:t>Run </a:t>
+            </a:r>
+            <a:r>
+              <a:rPr lang="en-US" dirty="0" err="1" smtClean="0"/>
+              <a:t>Clava</a:t>
+            </a:r>
+            <a:r>
+              <a:rPr lang="en-US" dirty="0" smtClean="0"/>
+              <a:t> GUI</a:t>
+            </a:r>
+          </a:p>
+          <a:p>
+            <a:pPr lvl="1"/>
+            <a:endParaRPr lang="en-US" dirty="0"/>
+          </a:p>
+          <a:p>
+            <a:r>
+              <a:rPr lang="en-US" dirty="0" smtClean="0"/>
+              <a:t>Tutorial can be downloaded from:</a:t>
+            </a:r>
+          </a:p>
+          <a:p>
+            <a:pPr lvl="1"/>
+            <a:r>
+              <a:rPr lang="en-US" dirty="0" smtClean="0">
+                <a:hlinkClick r:id="rId2"/>
+              </a:rPr>
+              <a:t>http://specs.fe.up.pt/tutorials/PRACE2018.zip</a:t>
+            </a:r>
+            <a:r>
+              <a:rPr lang="en-US" dirty="0" smtClean="0"/>
+              <a:t> </a:t>
+            </a:r>
           </a:p>
         </p:txBody>
       </p:sp>
@@ -6286,13 +6471,20 @@
     </p:spTree>
     <p:extLst>
       <p:ext uri="{BB962C8B-B14F-4D97-AF65-F5344CB8AC3E}">
-        <p14:creationId xmlns:p14="http://schemas.microsoft.com/office/powerpoint/2010/main" val="3704081462"/>
+        <p14:creationId xmlns:p14="http://schemas.microsoft.com/office/powerpoint/2010/main" val="2696817545"/>
       </p:ext>
     </p:extLst>
   </p:cSld>
   <p:clrMapOvr>
     <a:masterClrMapping/>
   </p:clrMapOvr>
+  <p:timing>
+    <p:tnLst>
+      <p:par>
+        <p:cTn id="1" dur="indefinite" restart="never" nodeType="tmRoot"/>
+      </p:par>
+    </p:tnLst>
+  </p:timing>
 </p:sld>
 </file>
 
@@ -6352,13 +6544,14 @@
           <a:lstStyle/>
           <a:p>
             <a:r>
-              <a:rPr lang="en-US" dirty="0"/>
-              <a:t>2</a:t>
-            </a:r>
-            <a:r>
               <a:rPr lang="en-US" dirty="0" smtClean="0"/>
-              <a:t>. Logging</a:t>
-            </a:r>
+              <a:t>1. </a:t>
+            </a:r>
+            <a:r>
+              <a:rPr lang="en-US" dirty="0" err="1" smtClean="0"/>
+              <a:t>CallGraph</a:t>
+            </a:r>
+            <a:endParaRPr lang="en-US" dirty="0" smtClean="0"/>
           </a:p>
           <a:p>
             <a:endParaRPr lang="en-US" dirty="0"/>
@@ -6373,14 +6566,14 @@
             <a:pPr lvl="1"/>
             <a:r>
               <a:rPr lang="en-US" dirty="0" smtClean="0"/>
-              <a:t>Write some LARA code (exercise)</a:t>
+              <a:t>Read some LARA code</a:t>
             </a:r>
           </a:p>
           <a:p>
             <a:pPr lvl="1"/>
             <a:r>
               <a:rPr lang="en-US" dirty="0" smtClean="0"/>
-              <a:t>Introduction to LARA APIs</a:t>
+              <a:t>Load and run a LARA strategy</a:t>
             </a:r>
             <a:endParaRPr lang="pt-PT" dirty="0"/>
           </a:p>
@@ -6413,13 +6606,20 @@
     </p:spTree>
     <p:extLst>
       <p:ext uri="{BB962C8B-B14F-4D97-AF65-F5344CB8AC3E}">
-        <p14:creationId xmlns:p14="http://schemas.microsoft.com/office/powerpoint/2010/main" val="1227178046"/>
+        <p14:creationId xmlns:p14="http://schemas.microsoft.com/office/powerpoint/2010/main" val="3704081462"/>
       </p:ext>
     </p:extLst>
   </p:cSld>
   <p:clrMapOvr>
     <a:masterClrMapping/>
   </p:clrMapOvr>
+  <p:timing>
+    <p:tnLst>
+      <p:par>
+        <p:cTn id="1" dur="indefinite" restart="never" nodeType="tmRoot"/>
+      </p:par>
+    </p:tnLst>
+  </p:timing>
 </p:sld>
 </file>
 
@@ -6479,8 +6679,12 @@
           <a:lstStyle/>
           <a:p>
             <a:r>
+              <a:rPr lang="en-US" dirty="0"/>
+              <a:t>2</a:t>
+            </a:r>
+            <a:r>
               <a:rPr lang="en-US" dirty="0" smtClean="0"/>
-              <a:t>3. Measurements</a:t>
+              <a:t>. Logging</a:t>
             </a:r>
           </a:p>
           <a:p>
@@ -6496,22 +6700,14 @@
             <a:pPr lvl="1"/>
             <a:r>
               <a:rPr lang="en-US" dirty="0" smtClean="0"/>
-              <a:t>Use LARA APIs (exercise)</a:t>
+              <a:t>Write some LARA code (exercise)</a:t>
             </a:r>
           </a:p>
           <a:p>
             <a:pPr lvl="1"/>
             <a:r>
               <a:rPr lang="en-US" dirty="0" smtClean="0"/>
-              <a:t>Introduction to </a:t>
-            </a:r>
-            <a:r>
-              <a:rPr lang="en-US" dirty="0" err="1" smtClean="0"/>
-              <a:t>Clava</a:t>
-            </a:r>
-            <a:r>
-              <a:rPr lang="en-US" dirty="0" smtClean="0"/>
-              <a:t> documentation</a:t>
+              <a:t>Introduction to LARA APIs</a:t>
             </a:r>
             <a:endParaRPr lang="pt-PT" dirty="0"/>
           </a:p>
@@ -6544,7 +6740,7 @@
     </p:spTree>
     <p:extLst>
       <p:ext uri="{BB962C8B-B14F-4D97-AF65-F5344CB8AC3E}">
-        <p14:creationId xmlns:p14="http://schemas.microsoft.com/office/powerpoint/2010/main" val="4108949562"/>
+        <p14:creationId xmlns:p14="http://schemas.microsoft.com/office/powerpoint/2010/main" val="1227178046"/>
       </p:ext>
     </p:extLst>
   </p:cSld>
@@ -6610,18 +6806,9 @@
           <a:lstStyle/>
           <a:p>
             <a:r>
-              <a:rPr lang="en-US" dirty="0"/>
-              <a:t>4</a:t>
-            </a:r>
-            <a:r>
               <a:rPr lang="en-US" dirty="0" smtClean="0"/>
-              <a:t>. </a:t>
-            </a:r>
-            <a:r>
-              <a:rPr lang="en-US" dirty="0" err="1" smtClean="0"/>
-              <a:t>AutoPar</a:t>
-            </a:r>
-            <a:endParaRPr lang="en-US" dirty="0" smtClean="0"/>
+              <a:t>3. Measurements</a:t>
+            </a:r>
           </a:p>
           <a:p>
             <a:endParaRPr lang="en-US" dirty="0"/>
@@ -6636,7 +6823,7 @@
             <a:pPr lvl="1"/>
             <a:r>
               <a:rPr lang="en-US" dirty="0" smtClean="0"/>
-              <a:t>Auto-parallelize code</a:t>
+              <a:t>Use LARA APIs (exercise)</a:t>
             </a:r>
           </a:p>
           <a:p>
@@ -6647,11 +6834,11 @@
             </a:r>
             <a:r>
               <a:rPr lang="en-US" dirty="0" err="1" smtClean="0"/>
-              <a:t>CMake</a:t>
+              <a:t>Clava</a:t>
             </a:r>
             <a:r>
               <a:rPr lang="en-US" dirty="0" smtClean="0"/>
-              <a:t> plugin</a:t>
+              <a:t> documentation</a:t>
             </a:r>
             <a:endParaRPr lang="pt-PT" dirty="0"/>
           </a:p>
@@ -6684,7 +6871,7 @@
     </p:spTree>
     <p:extLst>
       <p:ext uri="{BB962C8B-B14F-4D97-AF65-F5344CB8AC3E}">
-        <p14:creationId xmlns:p14="http://schemas.microsoft.com/office/powerpoint/2010/main" val="64384162"/>
+        <p14:creationId xmlns:p14="http://schemas.microsoft.com/office/powerpoint/2010/main" val="4108949562"/>
       </p:ext>
     </p:extLst>
   </p:cSld>
@@ -6750,9 +6937,18 @@
           <a:lstStyle/>
           <a:p>
             <a:r>
+              <a:rPr lang="en-US" dirty="0"/>
+              <a:t>4</a:t>
+            </a:r>
+            <a:r>
               <a:rPr lang="en-US" dirty="0" smtClean="0"/>
-              <a:t>5. Exploration</a:t>
-            </a:r>
+              <a:t>. </a:t>
+            </a:r>
+            <a:r>
+              <a:rPr lang="en-US" dirty="0" err="1" smtClean="0"/>
+              <a:t>AutoPar</a:t>
+            </a:r>
+            <a:endParaRPr lang="en-US" dirty="0" smtClean="0"/>
           </a:p>
           <a:p>
             <a:endParaRPr lang="en-US" dirty="0"/>
@@ -6767,7 +6963,14 @@
             <a:pPr lvl="1"/>
             <a:r>
               <a:rPr lang="en-US" dirty="0" smtClean="0"/>
-              <a:t>Use the </a:t>
+              <a:t>Auto-parallelize code</a:t>
+            </a:r>
+          </a:p>
+          <a:p>
+            <a:pPr lvl="1"/>
+            <a:r>
+              <a:rPr lang="en-US" dirty="0" smtClean="0"/>
+              <a:t>Introduction to </a:t>
             </a:r>
             <a:r>
               <a:rPr lang="en-US" dirty="0" err="1" smtClean="0"/>
@@ -6776,13 +6979,6 @@
             <a:r>
               <a:rPr lang="en-US" dirty="0" smtClean="0"/>
               <a:t> plugin</a:t>
-            </a:r>
-          </a:p>
-          <a:p>
-            <a:pPr lvl="1"/>
-            <a:r>
-              <a:rPr lang="en-US" dirty="0" smtClean="0"/>
-              <a:t>Perform Design-Space Exploration</a:t>
             </a:r>
             <a:endParaRPr lang="pt-PT" dirty="0"/>
           </a:p>
@@ -6815,7 +7011,7 @@
     </p:spTree>
     <p:extLst>
       <p:ext uri="{BB962C8B-B14F-4D97-AF65-F5344CB8AC3E}">
-        <p14:creationId xmlns:p14="http://schemas.microsoft.com/office/powerpoint/2010/main" val="1281434798"/>
+        <p14:creationId xmlns:p14="http://schemas.microsoft.com/office/powerpoint/2010/main" val="64384162"/>
       </p:ext>
     </p:extLst>
   </p:cSld>
@@ -6858,12 +7054,8 @@
           <a:lstStyle/>
           <a:p>
             <a:r>
-              <a:rPr lang="en-US" dirty="0" err="1" smtClean="0"/>
-              <a:t>Clava</a:t>
-            </a:r>
-            <a:r>
               <a:rPr lang="en-US" dirty="0" smtClean="0"/>
-              <a:t> Installation</a:t>
+              <a:t>Hands-on</a:t>
             </a:r>
             <a:endParaRPr lang="pt-PT" dirty="0"/>
           </a:p>
@@ -6886,94 +7078,38 @@
           <a:p>
             <a:r>
               <a:rPr lang="en-US" dirty="0" smtClean="0"/>
-              <a:t>All platforms: download JAR</a:t>
+              <a:t>5. Exploration</a:t>
+            </a:r>
+          </a:p>
+          <a:p>
+            <a:endParaRPr lang="en-US" dirty="0"/>
+          </a:p>
+          <a:p>
+            <a:r>
+              <a:rPr lang="en-US" dirty="0" smtClean="0"/>
+              <a:t>Objectives</a:t>
             </a:r>
           </a:p>
           <a:p>
             <a:pPr lvl="1"/>
             <a:r>
-              <a:rPr lang="en-US" dirty="0" smtClean="0">
-                <a:hlinkClick r:id="rId2"/>
-              </a:rPr>
-              <a:t>http://specs.fe.up.pt/tools/clava.jar</a:t>
-            </a:r>
-            <a:endParaRPr lang="en-US" dirty="0" smtClean="0"/>
-          </a:p>
-          <a:p>
-            <a:endParaRPr lang="en-US" dirty="0"/>
-          </a:p>
-          <a:p>
-            <a:r>
               <a:rPr lang="en-US" dirty="0" smtClean="0"/>
-              <a:t>Linux: script </a:t>
-            </a:r>
-            <a:r>
-              <a:rPr lang="en-US" dirty="0" err="1" smtClean="0"/>
-              <a:t>clava</a:t>
-            </a:r>
-            <a:r>
-              <a:rPr lang="en-US" dirty="0" smtClean="0"/>
-              <a:t>-update </a:t>
-            </a:r>
-          </a:p>
-          <a:p>
-            <a:pPr lvl="1"/>
-            <a:r>
-              <a:rPr lang="en-US" dirty="0" smtClean="0">
-                <a:hlinkClick r:id="rId3"/>
-              </a:rPr>
-              <a:t>http</a:t>
-            </a:r>
-            <a:r>
-              <a:rPr lang="en-US" dirty="0">
-                <a:hlinkClick r:id="rId3"/>
-              </a:rPr>
-              <a:t>://</a:t>
-            </a:r>
-            <a:r>
-              <a:rPr lang="en-US" dirty="0" smtClean="0">
-                <a:hlinkClick r:id="rId3"/>
-              </a:rPr>
-              <a:t>specs.fe.up.pt/tools/clava/clava-update</a:t>
-            </a:r>
-            <a:endParaRPr lang="en-US" dirty="0" smtClean="0"/>
-          </a:p>
-          <a:p>
-            <a:endParaRPr lang="en-US" dirty="0"/>
-          </a:p>
-          <a:p>
+              <a:t>Use the </a:t>
+            </a:r>
             <a:r>
               <a:rPr lang="en-US" dirty="0" err="1" smtClean="0"/>
               <a:t>CMake</a:t>
             </a:r>
             <a:r>
               <a:rPr lang="en-US" dirty="0" smtClean="0"/>
-              <a:t> Plugin: </a:t>
+              <a:t> plugin</a:t>
             </a:r>
           </a:p>
           <a:p>
             <a:pPr lvl="1"/>
             <a:r>
-              <a:rPr lang="pt-PT" dirty="0" smtClean="0">
-                <a:hlinkClick r:id="rId4"/>
-              </a:rPr>
-              <a:t>https</a:t>
-            </a:r>
-            <a:r>
-              <a:rPr lang="pt-PT" dirty="0">
-                <a:hlinkClick r:id="rId4"/>
-              </a:rPr>
-              <a:t>://</a:t>
-            </a:r>
-            <a:r>
-              <a:rPr lang="pt-PT" dirty="0" smtClean="0">
-                <a:hlinkClick r:id="rId4"/>
-              </a:rPr>
-              <a:t>github.com/specs-feup/clava/tree/master/CMake</a:t>
-            </a:r>
-            <a:r>
-              <a:rPr lang="pt-PT" dirty="0" smtClean="0"/>
-              <a:t> </a:t>
+              <a:rPr lang="en-US" dirty="0" smtClean="0"/>
+              <a:t>Perform Design-Space Exploration</a:t>
             </a:r>
             <a:endParaRPr lang="pt-PT" dirty="0"/>
           </a:p>
@@ -7006,7 +7142,7 @@
     </p:spTree>
     <p:extLst>
       <p:ext uri="{BB962C8B-B14F-4D97-AF65-F5344CB8AC3E}">
-        <p14:creationId xmlns:p14="http://schemas.microsoft.com/office/powerpoint/2010/main" val="2624965424"/>
+        <p14:creationId xmlns:p14="http://schemas.microsoft.com/office/powerpoint/2010/main" val="1281434798"/>
       </p:ext>
     </p:extLst>
   </p:cSld>
@@ -8302,11 +8438,7 @@
           <a:p>
             <a:r>
               <a:rPr lang="en-US" noProof="0" dirty="0" smtClean="0"/>
-              <a:t>Hands-on </a:t>
-            </a:r>
-            <a:r>
-              <a:rPr lang="en-US" noProof="0" dirty="0" smtClean="0"/>
-              <a:t>approach</a:t>
+              <a:t>Hands-on approach</a:t>
             </a:r>
           </a:p>
           <a:p>
@@ -8351,7 +8483,6 @@
               <a:rPr lang="en-US" dirty="0" smtClean="0"/>
               <a:t>Third-party Libraries (DSE)</a:t>
             </a:r>
-            <a:endParaRPr lang="en-US" dirty="0" smtClean="0"/>
           </a:p>
           <a:p>
             <a:pPr lvl="1"/>
@@ -9046,6 +9177,197 @@
       </p:grpSpPr>
       <p:sp>
         <p:nvSpPr>
+          <p:cNvPr id="2" name="Title 1"/>
+          <p:cNvSpPr>
+            <a:spLocks noGrp="1"/>
+          </p:cNvSpPr>
+          <p:nvPr>
+            <p:ph type="title"/>
+          </p:nvPr>
+        </p:nvSpPr>
+        <p:spPr/>
+        <p:txBody>
+          <a:bodyPr/>
+          <a:lstStyle/>
+          <a:p>
+            <a:r>
+              <a:rPr lang="en-US" dirty="0" err="1" smtClean="0"/>
+              <a:t>Clava</a:t>
+            </a:r>
+            <a:r>
+              <a:rPr lang="en-US" dirty="0" smtClean="0"/>
+              <a:t> Installation</a:t>
+            </a:r>
+            <a:endParaRPr lang="pt-PT" dirty="0"/>
+          </a:p>
+        </p:txBody>
+      </p:sp>
+      <p:sp>
+        <p:nvSpPr>
+          <p:cNvPr id="3" name="Content Placeholder 2"/>
+          <p:cNvSpPr>
+            <a:spLocks noGrp="1"/>
+          </p:cNvSpPr>
+          <p:nvPr>
+            <p:ph idx="1"/>
+          </p:nvPr>
+        </p:nvSpPr>
+        <p:spPr/>
+        <p:txBody>
+          <a:bodyPr/>
+          <a:lstStyle/>
+          <a:p>
+            <a:r>
+              <a:rPr lang="en-US" dirty="0" smtClean="0"/>
+              <a:t>All platforms: download JAR</a:t>
+            </a:r>
+          </a:p>
+          <a:p>
+            <a:pPr lvl="1"/>
+            <a:r>
+              <a:rPr lang="en-US" dirty="0" smtClean="0">
+                <a:hlinkClick r:id="rId2"/>
+              </a:rPr>
+              <a:t>http://specs.fe.up.pt/tools/clava.jar</a:t>
+            </a:r>
+            <a:endParaRPr lang="en-US" dirty="0" smtClean="0"/>
+          </a:p>
+          <a:p>
+            <a:endParaRPr lang="en-US" dirty="0"/>
+          </a:p>
+          <a:p>
+            <a:r>
+              <a:rPr lang="en-US" dirty="0" smtClean="0"/>
+              <a:t>Linux: script </a:t>
+            </a:r>
+            <a:r>
+              <a:rPr lang="en-US" dirty="0" err="1" smtClean="0"/>
+              <a:t>clava</a:t>
+            </a:r>
+            <a:r>
+              <a:rPr lang="en-US" dirty="0" smtClean="0"/>
+              <a:t>-update </a:t>
+            </a:r>
+          </a:p>
+          <a:p>
+            <a:pPr lvl="1"/>
+            <a:r>
+              <a:rPr lang="en-US" dirty="0" smtClean="0">
+                <a:hlinkClick r:id="rId3"/>
+              </a:rPr>
+              <a:t>http</a:t>
+            </a:r>
+            <a:r>
+              <a:rPr lang="en-US" dirty="0">
+                <a:hlinkClick r:id="rId3"/>
+              </a:rPr>
+              <a:t>://</a:t>
+            </a:r>
+            <a:r>
+              <a:rPr lang="en-US" dirty="0" smtClean="0">
+                <a:hlinkClick r:id="rId3"/>
+              </a:rPr>
+              <a:t>specs.fe.up.pt/tools/clava/clava-update</a:t>
+            </a:r>
+            <a:endParaRPr lang="en-US" dirty="0" smtClean="0"/>
+          </a:p>
+          <a:p>
+            <a:endParaRPr lang="en-US" dirty="0"/>
+          </a:p>
+          <a:p>
+            <a:r>
+              <a:rPr lang="en-US" dirty="0" err="1" smtClean="0"/>
+              <a:t>CMake</a:t>
+            </a:r>
+            <a:r>
+              <a:rPr lang="en-US" dirty="0" smtClean="0"/>
+              <a:t> Plugin: </a:t>
+            </a:r>
+          </a:p>
+          <a:p>
+            <a:pPr lvl="1"/>
+            <a:r>
+              <a:rPr lang="pt-PT" dirty="0" smtClean="0">
+                <a:hlinkClick r:id="rId4"/>
+              </a:rPr>
+              <a:t>https</a:t>
+            </a:r>
+            <a:r>
+              <a:rPr lang="pt-PT" dirty="0">
+                <a:hlinkClick r:id="rId4"/>
+              </a:rPr>
+              <a:t>://</a:t>
+            </a:r>
+            <a:r>
+              <a:rPr lang="pt-PT" dirty="0" smtClean="0">
+                <a:hlinkClick r:id="rId4"/>
+              </a:rPr>
+              <a:t>github.com/specs-feup/clava/tree/master/CMake</a:t>
+            </a:r>
+            <a:r>
+              <a:rPr lang="pt-PT" dirty="0" smtClean="0"/>
+              <a:t> </a:t>
+            </a:r>
+            <a:endParaRPr lang="pt-PT" dirty="0"/>
+          </a:p>
+        </p:txBody>
+      </p:sp>
+      <p:sp>
+        <p:nvSpPr>
+          <p:cNvPr id="4" name="Slide Number Placeholder 3"/>
+          <p:cNvSpPr>
+            <a:spLocks noGrp="1"/>
+          </p:cNvSpPr>
+          <p:nvPr>
+            <p:ph type="sldNum" sz="quarter" idx="12"/>
+          </p:nvPr>
+        </p:nvSpPr>
+        <p:spPr/>
+        <p:txBody>
+          <a:bodyPr/>
+          <a:lstStyle/>
+          <a:p>
+            <a:fld id="{38DF255E-9420-4F7A-80EB-BC56962E5981}" type="slidenum">
+              <a:rPr lang="pt-PT" smtClean="0"/>
+              <a:pPr/>
+              <a:t>3</a:t>
+            </a:fld>
+            <a:endParaRPr lang="pt-PT" dirty="0"/>
+          </a:p>
+        </p:txBody>
+      </p:sp>
+    </p:spTree>
+    <p:extLst>
+      <p:ext uri="{BB962C8B-B14F-4D97-AF65-F5344CB8AC3E}">
+        <p14:creationId xmlns:p14="http://schemas.microsoft.com/office/powerpoint/2010/main" val="1459684661"/>
+      </p:ext>
+    </p:extLst>
+  </p:cSld>
+  <p:clrMapOvr>
+    <a:masterClrMapping/>
+  </p:clrMapOvr>
+</p:sld>
+</file>
+
+<file path=ppt/slides/slide4.xml><?xml version="1.0" encoding="utf-8"?>
+<p:sld xmlns:a="http://schemas.openxmlformats.org/drawingml/2006/main" xmlns:r="http://schemas.openxmlformats.org/officeDocument/2006/relationships" xmlns:p="http://schemas.openxmlformats.org/presentationml/2006/main">
+  <p:cSld>
+    <p:spTree>
+      <p:nvGrpSpPr>
+        <p:cNvPr id="1" name=""/>
+        <p:cNvGrpSpPr/>
+        <p:nvPr/>
+      </p:nvGrpSpPr>
+      <p:grpSpPr>
+        <a:xfrm>
+          <a:off x="0" y="0"/>
+          <a:ext cx="0" cy="0"/>
+          <a:chOff x="0" y="0"/>
+          <a:chExt cx="0" cy="0"/>
+        </a:xfrm>
+      </p:grpSpPr>
+      <p:sp>
+        <p:nvSpPr>
           <p:cNvPr id="6" name="Title 5"/>
           <p:cNvSpPr>
             <a:spLocks noGrp="1"/>
@@ -9183,7 +9505,7 @@
             <a:fld id="{38DF255E-9420-4F7A-80EB-BC56962E5981}" type="slidenum">
               <a:rPr lang="pt-PT" smtClean="0"/>
               <a:pPr/>
-              <a:t>3</a:t>
+              <a:t>4</a:t>
             </a:fld>
             <a:endParaRPr lang="pt-PT" dirty="0"/>
           </a:p>
@@ -9277,7 +9599,7 @@
 </p:sld>
 </file>
 
-<file path=ppt/slides/slide4.xml><?xml version="1.0" encoding="utf-8"?>
+<file path=ppt/slides/slide5.xml><?xml version="1.0" encoding="utf-8"?>
 <p:sld xmlns:a="http://schemas.openxmlformats.org/drawingml/2006/main" xmlns:r="http://schemas.openxmlformats.org/officeDocument/2006/relationships" xmlns:p="http://schemas.openxmlformats.org/presentationml/2006/main">
   <p:cSld>
     <p:spTree>
@@ -9343,7 +9665,7 @@
             <a:fld id="{38DF255E-9420-4F7A-80EB-BC56962E5981}" type="slidenum">
               <a:rPr lang="pt-PT" smtClean="0"/>
               <a:pPr/>
-              <a:t>4</a:t>
+              <a:t>5</a:t>
             </a:fld>
             <a:endParaRPr lang="pt-PT" dirty="0"/>
           </a:p>
@@ -10027,7 +10349,7 @@
 </p:sld>
 </file>
 
-<file path=ppt/slides/slide5.xml><?xml version="1.0" encoding="utf-8"?>
+<file path=ppt/slides/slide6.xml><?xml version="1.0" encoding="utf-8"?>
 <p:sld xmlns:a="http://schemas.openxmlformats.org/drawingml/2006/main" xmlns:r="http://schemas.openxmlformats.org/officeDocument/2006/relationships" xmlns:p="http://schemas.openxmlformats.org/presentationml/2006/main">
   <p:cSld>
     <p:spTree>
@@ -11292,7 +11614,7 @@
             <a:fld id="{38DF255E-9420-4F7A-80EB-BC56962E5981}" type="slidenum">
               <a:rPr lang="pt-PT" smtClean="0"/>
               <a:pPr/>
-              <a:t>5</a:t>
+              <a:t>6</a:t>
             </a:fld>
             <a:endParaRPr lang="pt-PT" dirty="0"/>
           </a:p>
@@ -11302,687 +11624,6 @@
     <p:extLst>
       <p:ext uri="{BB962C8B-B14F-4D97-AF65-F5344CB8AC3E}">
         <p14:creationId xmlns:p14="http://schemas.microsoft.com/office/powerpoint/2010/main" val="1197460965"/>
-      </p:ext>
-    </p:extLst>
-  </p:cSld>
-  <p:clrMapOvr>
-    <a:masterClrMapping/>
-  </p:clrMapOvr>
-  <mc:AlternateContent xmlns:mc="http://schemas.openxmlformats.org/markup-compatibility/2006" xmlns:p14="http://schemas.microsoft.com/office/powerpoint/2010/main">
-    <mc:Choice Requires="p14">
-      <p:transition p14:dur="0"/>
-    </mc:Choice>
-    <mc:Fallback xmlns="">
-      <p:transition/>
-    </mc:Fallback>
-  </mc:AlternateContent>
-  <p:timing>
-    <p:tnLst>
-      <p:par>
-        <p:cTn id="1" dur="indefinite" restart="never" nodeType="tmRoot"/>
-      </p:par>
-    </p:tnLst>
-  </p:timing>
-</p:sld>
-</file>
-
-<file path=ppt/slides/slide6.xml><?xml version="1.0" encoding="utf-8"?>
-<p:sld xmlns:a="http://schemas.openxmlformats.org/drawingml/2006/main" xmlns:r="http://schemas.openxmlformats.org/officeDocument/2006/relationships" xmlns:p="http://schemas.openxmlformats.org/presentationml/2006/main">
-  <p:cSld>
-    <p:spTree>
-      <p:nvGrpSpPr>
-        <p:cNvPr id="1" name=""/>
-        <p:cNvGrpSpPr/>
-        <p:nvPr/>
-      </p:nvGrpSpPr>
-      <p:grpSpPr>
-        <a:xfrm>
-          <a:off x="0" y="0"/>
-          <a:ext cx="0" cy="0"/>
-          <a:chOff x="0" y="0"/>
-          <a:chExt cx="0" cy="0"/>
-        </a:xfrm>
-      </p:grpSpPr>
-      <p:sp>
-        <p:nvSpPr>
-          <p:cNvPr id="6" name="Title 5"/>
-          <p:cNvSpPr>
-            <a:spLocks noGrp="1"/>
-          </p:cNvSpPr>
-          <p:nvPr>
-            <p:ph type="title"/>
-          </p:nvPr>
-        </p:nvSpPr>
-        <p:spPr/>
-        <p:txBody>
-          <a:bodyPr/>
-          <a:lstStyle/>
-          <a:p>
-            <a:r>
-              <a:rPr lang="en-US" dirty="0"/>
-              <a:t>Main LARA Features</a:t>
-            </a:r>
-            <a:endParaRPr lang="en-US" noProof="0" dirty="0"/>
-          </a:p>
-        </p:txBody>
-      </p:sp>
-      <p:sp>
-        <p:nvSpPr>
-          <p:cNvPr id="7" name="Content Placeholder 6"/>
-          <p:cNvSpPr>
-            <a:spLocks noGrp="1"/>
-          </p:cNvSpPr>
-          <p:nvPr>
-            <p:ph idx="1"/>
-          </p:nvPr>
-        </p:nvSpPr>
-        <p:spPr>
-          <a:xfrm>
-            <a:off x="628650" y="1369219"/>
-            <a:ext cx="5252861" cy="3263504"/>
-          </a:xfrm>
-        </p:spPr>
-        <p:txBody>
-          <a:bodyPr>
-            <a:normAutofit/>
-          </a:bodyPr>
-          <a:lstStyle/>
-          <a:p>
-            <a:r>
-              <a:rPr lang="en-US" b="1" noProof="0" dirty="0" smtClean="0"/>
-              <a:t>Declarative select-apply </a:t>
-            </a:r>
-            <a:r>
-              <a:rPr lang="en-US" noProof="0" dirty="0" smtClean="0"/>
-              <a:t>clauses</a:t>
-            </a:r>
-          </a:p>
-          <a:p>
-            <a:pPr lvl="1"/>
-            <a:r>
-              <a:rPr lang="en-US" b="1" noProof="0" dirty="0" smtClean="0"/>
-              <a:t>Select</a:t>
-            </a:r>
-            <a:r>
-              <a:rPr lang="en-US" noProof="0" dirty="0" smtClean="0"/>
-              <a:t> points of interest in the code</a:t>
-            </a:r>
-          </a:p>
-          <a:p>
-            <a:pPr lvl="1"/>
-            <a:r>
-              <a:rPr lang="en-US" b="1" noProof="0" dirty="0" smtClean="0"/>
-              <a:t>Apply</a:t>
-            </a:r>
-            <a:r>
-              <a:rPr lang="en-US" noProof="0" dirty="0" smtClean="0"/>
-              <a:t> code transformations over them</a:t>
-            </a:r>
-          </a:p>
-          <a:p>
-            <a:endParaRPr lang="en-US" noProof="0" dirty="0" smtClean="0"/>
-          </a:p>
-          <a:p>
-            <a:r>
-              <a:rPr lang="en-US" dirty="0"/>
-              <a:t>Modularity and reuse based on </a:t>
-            </a:r>
-            <a:r>
-              <a:rPr lang="en-US" b="1" dirty="0"/>
-              <a:t>calling</a:t>
-            </a:r>
-            <a:r>
-              <a:rPr lang="en-US" dirty="0"/>
-              <a:t> </a:t>
-            </a:r>
-            <a:r>
-              <a:rPr lang="en-US" b="1" dirty="0"/>
-              <a:t>aspects</a:t>
-            </a:r>
-            <a:r>
-              <a:rPr lang="en-US" dirty="0"/>
-              <a:t> and </a:t>
-            </a:r>
-            <a:r>
-              <a:rPr lang="en-US" b="1" dirty="0"/>
-              <a:t>using parameters</a:t>
-            </a:r>
-          </a:p>
-          <a:p>
-            <a:endParaRPr lang="en-US" b="1" noProof="0" dirty="0" smtClean="0"/>
-          </a:p>
-          <a:p>
-            <a:r>
-              <a:rPr lang="en-US" b="1" noProof="0" dirty="0" smtClean="0"/>
-              <a:t>Composition of strategies </a:t>
-            </a:r>
-            <a:r>
-              <a:rPr lang="en-US" noProof="0" dirty="0" smtClean="0"/>
-              <a:t>based on other strategies</a:t>
-            </a:r>
-          </a:p>
-          <a:p>
-            <a:endParaRPr lang="en-US" noProof="0" dirty="0" smtClean="0"/>
-          </a:p>
-        </p:txBody>
-      </p:sp>
-      <p:sp>
-        <p:nvSpPr>
-          <p:cNvPr id="8" name="Rectangle 1"/>
-          <p:cNvSpPr>
-            <a:spLocks noChangeArrowheads="1"/>
-          </p:cNvSpPr>
-          <p:nvPr/>
-        </p:nvSpPr>
-        <p:spPr bwMode="auto">
-          <a:xfrm>
-            <a:off x="6457950" y="1452981"/>
-            <a:ext cx="2279650" cy="954107"/>
-          </a:xfrm>
-          <a:prstGeom prst="rect">
-            <a:avLst/>
-          </a:prstGeom>
-          <a:solidFill>
-            <a:schemeClr val="bg1"/>
-          </a:solidFill>
-          <a:ln>
-            <a:headEnd/>
-            <a:tailEnd/>
-          </a:ln>
-        </p:spPr>
-        <p:style>
-          <a:lnRef idx="0">
-            <a:schemeClr val="accent3"/>
-          </a:lnRef>
-          <a:fillRef idx="3">
-            <a:schemeClr val="accent3"/>
-          </a:fillRef>
-          <a:effectRef idx="3">
-            <a:schemeClr val="accent3"/>
-          </a:effectRef>
-          <a:fontRef idx="minor">
-            <a:schemeClr val="lt1"/>
-          </a:fontRef>
-        </p:style>
-        <p:txBody>
-          <a:bodyPr wrap="square" anchor="ctr">
-            <a:spAutoFit/>
-          </a:bodyPr>
-          <a:lstStyle>
-            <a:lvl1pPr eaLnBrk="0" hangingPunct="0">
-              <a:defRPr>
-                <a:solidFill>
-                  <a:schemeClr val="tx1"/>
-                </a:solidFill>
-                <a:latin typeface="Arial" pitchFamily="34" charset="0"/>
-                <a:cs typeface="Arial" pitchFamily="34" charset="0"/>
-              </a:defRPr>
-            </a:lvl1pPr>
-            <a:lvl2pPr marL="742950" indent="-285750" eaLnBrk="0" hangingPunct="0">
-              <a:defRPr>
-                <a:solidFill>
-                  <a:schemeClr val="tx1"/>
-                </a:solidFill>
-                <a:latin typeface="Arial" pitchFamily="34" charset="0"/>
-                <a:cs typeface="Arial" pitchFamily="34" charset="0"/>
-              </a:defRPr>
-            </a:lvl2pPr>
-            <a:lvl3pPr marL="1143000" indent="-228600" eaLnBrk="0" hangingPunct="0">
-              <a:defRPr>
-                <a:solidFill>
-                  <a:schemeClr val="tx1"/>
-                </a:solidFill>
-                <a:latin typeface="Arial" pitchFamily="34" charset="0"/>
-                <a:cs typeface="Arial" pitchFamily="34" charset="0"/>
-              </a:defRPr>
-            </a:lvl3pPr>
-            <a:lvl4pPr marL="1600200" indent="-228600" eaLnBrk="0" hangingPunct="0">
-              <a:defRPr>
-                <a:solidFill>
-                  <a:schemeClr val="tx1"/>
-                </a:solidFill>
-                <a:latin typeface="Arial" pitchFamily="34" charset="0"/>
-                <a:cs typeface="Arial" pitchFamily="34" charset="0"/>
-              </a:defRPr>
-            </a:lvl4pPr>
-            <a:lvl5pPr marL="2057400" indent="-228600" eaLnBrk="0" hangingPunct="0">
-              <a:defRPr>
-                <a:solidFill>
-                  <a:schemeClr val="tx1"/>
-                </a:solidFill>
-                <a:latin typeface="Arial" pitchFamily="34" charset="0"/>
-                <a:cs typeface="Arial" pitchFamily="34" charset="0"/>
-              </a:defRPr>
-            </a:lvl5pPr>
-            <a:lvl6pPr marL="2514600" indent="-228600" eaLnBrk="0" fontAlgn="base" hangingPunct="0">
-              <a:spcBef>
-                <a:spcPct val="0"/>
-              </a:spcBef>
-              <a:spcAft>
-                <a:spcPct val="0"/>
-              </a:spcAft>
-              <a:defRPr>
-                <a:solidFill>
-                  <a:schemeClr val="tx1"/>
-                </a:solidFill>
-                <a:latin typeface="Arial" pitchFamily="34" charset="0"/>
-                <a:cs typeface="Arial" pitchFamily="34" charset="0"/>
-              </a:defRPr>
-            </a:lvl6pPr>
-            <a:lvl7pPr marL="2971800" indent="-228600" eaLnBrk="0" fontAlgn="base" hangingPunct="0">
-              <a:spcBef>
-                <a:spcPct val="0"/>
-              </a:spcBef>
-              <a:spcAft>
-                <a:spcPct val="0"/>
-              </a:spcAft>
-              <a:defRPr>
-                <a:solidFill>
-                  <a:schemeClr val="tx1"/>
-                </a:solidFill>
-                <a:latin typeface="Arial" pitchFamily="34" charset="0"/>
-                <a:cs typeface="Arial" pitchFamily="34" charset="0"/>
-              </a:defRPr>
-            </a:lvl7pPr>
-            <a:lvl8pPr marL="3429000" indent="-228600" eaLnBrk="0" fontAlgn="base" hangingPunct="0">
-              <a:spcBef>
-                <a:spcPct val="0"/>
-              </a:spcBef>
-              <a:spcAft>
-                <a:spcPct val="0"/>
-              </a:spcAft>
-              <a:defRPr>
-                <a:solidFill>
-                  <a:schemeClr val="tx1"/>
-                </a:solidFill>
-                <a:latin typeface="Arial" pitchFamily="34" charset="0"/>
-                <a:cs typeface="Arial" pitchFamily="34" charset="0"/>
-              </a:defRPr>
-            </a:lvl8pPr>
-            <a:lvl9pPr marL="3886200" indent="-228600" eaLnBrk="0" fontAlgn="base" hangingPunct="0">
-              <a:spcBef>
-                <a:spcPct val="0"/>
-              </a:spcBef>
-              <a:spcAft>
-                <a:spcPct val="0"/>
-              </a:spcAft>
-              <a:defRPr>
-                <a:solidFill>
-                  <a:schemeClr val="tx1"/>
-                </a:solidFill>
-                <a:latin typeface="Arial" pitchFamily="34" charset="0"/>
-                <a:cs typeface="Arial" pitchFamily="34" charset="0"/>
-              </a:defRPr>
-            </a:lvl9pPr>
-          </a:lstStyle>
-          <a:p>
-            <a:pPr eaLnBrk="1" hangingPunct="1">
-              <a:defRPr/>
-            </a:pPr>
-            <a:r>
-              <a:rPr lang="en-US" sz="1400" b="1" dirty="0" smtClean="0">
-                <a:solidFill>
-                  <a:srgbClr val="C00000"/>
-                </a:solidFill>
-              </a:rPr>
-              <a:t>select</a:t>
-            </a:r>
-            <a:r>
-              <a:rPr lang="en-US" sz="1400" dirty="0" smtClean="0">
-                <a:solidFill>
-                  <a:srgbClr val="C00000"/>
-                </a:solidFill>
-              </a:rPr>
-              <a:t> </a:t>
-            </a:r>
-            <a:r>
-              <a:rPr lang="en-US" sz="1400" dirty="0" smtClean="0">
-                <a:solidFill>
-                  <a:srgbClr val="0C0C0C"/>
-                </a:solidFill>
-              </a:rPr>
-              <a:t>method </a:t>
-            </a:r>
-            <a:r>
-              <a:rPr lang="en-US" sz="1400" b="1" dirty="0">
-                <a:solidFill>
-                  <a:srgbClr val="C00000"/>
-                </a:solidFill>
-              </a:rPr>
-              <a:t>end</a:t>
-            </a:r>
-            <a:endParaRPr lang="pt-PT" sz="1400" b="1" dirty="0">
-              <a:solidFill>
-                <a:srgbClr val="C00000"/>
-              </a:solidFill>
-            </a:endParaRPr>
-          </a:p>
-          <a:p>
-            <a:pPr eaLnBrk="1" hangingPunct="1">
-              <a:defRPr/>
-            </a:pPr>
-            <a:r>
-              <a:rPr lang="en-US" sz="1400" b="1" dirty="0" smtClean="0">
-                <a:solidFill>
-                  <a:srgbClr val="C00000"/>
-                </a:solidFill>
-              </a:rPr>
-              <a:t>apply </a:t>
-            </a:r>
-            <a:endParaRPr lang="en-US" sz="1400" b="1" dirty="0">
-              <a:solidFill>
-                <a:srgbClr val="C00000"/>
-              </a:solidFill>
-            </a:endParaRPr>
-          </a:p>
-          <a:p>
-            <a:pPr eaLnBrk="1" hangingPunct="1">
-              <a:defRPr/>
-            </a:pPr>
-            <a:r>
-              <a:rPr lang="en-US" sz="1400" dirty="0">
-                <a:solidFill>
-                  <a:srgbClr val="0C0C0C"/>
-                </a:solidFill>
-              </a:rPr>
-              <a:t>      </a:t>
-            </a:r>
-            <a:r>
-              <a:rPr lang="en-US" sz="1400" dirty="0" smtClean="0">
-                <a:solidFill>
-                  <a:srgbClr val="0C0C0C"/>
-                </a:solidFill>
-              </a:rPr>
-              <a:t>…</a:t>
-            </a:r>
-            <a:endParaRPr lang="en-US" sz="1400" dirty="0">
-              <a:solidFill>
-                <a:srgbClr val="0C0C0C"/>
-              </a:solidFill>
-            </a:endParaRPr>
-          </a:p>
-          <a:p>
-            <a:pPr eaLnBrk="1" hangingPunct="1">
-              <a:defRPr/>
-            </a:pPr>
-            <a:r>
-              <a:rPr lang="en-GB" sz="1400" b="1" dirty="0" smtClean="0">
-                <a:solidFill>
-                  <a:srgbClr val="C00000"/>
-                </a:solidFill>
-              </a:rPr>
-              <a:t>end</a:t>
-            </a:r>
-            <a:endParaRPr lang="pt-PT" sz="1400" b="1" dirty="0">
-              <a:solidFill>
-                <a:srgbClr val="C00000"/>
-              </a:solidFill>
-            </a:endParaRPr>
-          </a:p>
-        </p:txBody>
-      </p:sp>
-      <p:sp>
-        <p:nvSpPr>
-          <p:cNvPr id="11" name="Rectangle 1"/>
-          <p:cNvSpPr>
-            <a:spLocks noChangeArrowheads="1"/>
-          </p:cNvSpPr>
-          <p:nvPr/>
-        </p:nvSpPr>
-        <p:spPr bwMode="auto">
-          <a:xfrm>
-            <a:off x="6457950" y="3211722"/>
-            <a:ext cx="2279650" cy="954107"/>
-          </a:xfrm>
-          <a:prstGeom prst="rect">
-            <a:avLst/>
-          </a:prstGeom>
-          <a:solidFill>
-            <a:schemeClr val="bg1"/>
-          </a:solidFill>
-          <a:ln>
-            <a:headEnd/>
-            <a:tailEnd/>
-          </a:ln>
-        </p:spPr>
-        <p:style>
-          <a:lnRef idx="0">
-            <a:schemeClr val="accent3"/>
-          </a:lnRef>
-          <a:fillRef idx="3">
-            <a:schemeClr val="accent3"/>
-          </a:fillRef>
-          <a:effectRef idx="3">
-            <a:schemeClr val="accent3"/>
-          </a:effectRef>
-          <a:fontRef idx="minor">
-            <a:schemeClr val="lt1"/>
-          </a:fontRef>
-        </p:style>
-        <p:txBody>
-          <a:bodyPr wrap="square" anchor="ctr">
-            <a:spAutoFit/>
-          </a:bodyPr>
-          <a:lstStyle>
-            <a:lvl1pPr eaLnBrk="0" hangingPunct="0">
-              <a:defRPr>
-                <a:solidFill>
-                  <a:schemeClr val="tx1"/>
-                </a:solidFill>
-                <a:latin typeface="Arial" pitchFamily="34" charset="0"/>
-                <a:cs typeface="Arial" pitchFamily="34" charset="0"/>
-              </a:defRPr>
-            </a:lvl1pPr>
-            <a:lvl2pPr marL="742950" indent="-285750" eaLnBrk="0" hangingPunct="0">
-              <a:defRPr>
-                <a:solidFill>
-                  <a:schemeClr val="tx1"/>
-                </a:solidFill>
-                <a:latin typeface="Arial" pitchFamily="34" charset="0"/>
-                <a:cs typeface="Arial" pitchFamily="34" charset="0"/>
-              </a:defRPr>
-            </a:lvl2pPr>
-            <a:lvl3pPr marL="1143000" indent="-228600" eaLnBrk="0" hangingPunct="0">
-              <a:defRPr>
-                <a:solidFill>
-                  <a:schemeClr val="tx1"/>
-                </a:solidFill>
-                <a:latin typeface="Arial" pitchFamily="34" charset="0"/>
-                <a:cs typeface="Arial" pitchFamily="34" charset="0"/>
-              </a:defRPr>
-            </a:lvl3pPr>
-            <a:lvl4pPr marL="1600200" indent="-228600" eaLnBrk="0" hangingPunct="0">
-              <a:defRPr>
-                <a:solidFill>
-                  <a:schemeClr val="tx1"/>
-                </a:solidFill>
-                <a:latin typeface="Arial" pitchFamily="34" charset="0"/>
-                <a:cs typeface="Arial" pitchFamily="34" charset="0"/>
-              </a:defRPr>
-            </a:lvl4pPr>
-            <a:lvl5pPr marL="2057400" indent="-228600" eaLnBrk="0" hangingPunct="0">
-              <a:defRPr>
-                <a:solidFill>
-                  <a:schemeClr val="tx1"/>
-                </a:solidFill>
-                <a:latin typeface="Arial" pitchFamily="34" charset="0"/>
-                <a:cs typeface="Arial" pitchFamily="34" charset="0"/>
-              </a:defRPr>
-            </a:lvl5pPr>
-            <a:lvl6pPr marL="2514600" indent="-228600" eaLnBrk="0" fontAlgn="base" hangingPunct="0">
-              <a:spcBef>
-                <a:spcPct val="0"/>
-              </a:spcBef>
-              <a:spcAft>
-                <a:spcPct val="0"/>
-              </a:spcAft>
-              <a:defRPr>
-                <a:solidFill>
-                  <a:schemeClr val="tx1"/>
-                </a:solidFill>
-                <a:latin typeface="Arial" pitchFamily="34" charset="0"/>
-                <a:cs typeface="Arial" pitchFamily="34" charset="0"/>
-              </a:defRPr>
-            </a:lvl6pPr>
-            <a:lvl7pPr marL="2971800" indent="-228600" eaLnBrk="0" fontAlgn="base" hangingPunct="0">
-              <a:spcBef>
-                <a:spcPct val="0"/>
-              </a:spcBef>
-              <a:spcAft>
-                <a:spcPct val="0"/>
-              </a:spcAft>
-              <a:defRPr>
-                <a:solidFill>
-                  <a:schemeClr val="tx1"/>
-                </a:solidFill>
-                <a:latin typeface="Arial" pitchFamily="34" charset="0"/>
-                <a:cs typeface="Arial" pitchFamily="34" charset="0"/>
-              </a:defRPr>
-            </a:lvl7pPr>
-            <a:lvl8pPr marL="3429000" indent="-228600" eaLnBrk="0" fontAlgn="base" hangingPunct="0">
-              <a:spcBef>
-                <a:spcPct val="0"/>
-              </a:spcBef>
-              <a:spcAft>
-                <a:spcPct val="0"/>
-              </a:spcAft>
-              <a:defRPr>
-                <a:solidFill>
-                  <a:schemeClr val="tx1"/>
-                </a:solidFill>
-                <a:latin typeface="Arial" pitchFamily="34" charset="0"/>
-                <a:cs typeface="Arial" pitchFamily="34" charset="0"/>
-              </a:defRPr>
-            </a:lvl8pPr>
-            <a:lvl9pPr marL="3886200" indent="-228600" eaLnBrk="0" fontAlgn="base" hangingPunct="0">
-              <a:spcBef>
-                <a:spcPct val="0"/>
-              </a:spcBef>
-              <a:spcAft>
-                <a:spcPct val="0"/>
-              </a:spcAft>
-              <a:defRPr>
-                <a:solidFill>
-                  <a:schemeClr val="tx1"/>
-                </a:solidFill>
-                <a:latin typeface="Arial" pitchFamily="34" charset="0"/>
-                <a:cs typeface="Arial" pitchFamily="34" charset="0"/>
-              </a:defRPr>
-            </a:lvl9pPr>
-          </a:lstStyle>
-          <a:p>
-            <a:pPr eaLnBrk="1" hangingPunct="1">
-              <a:defRPr/>
-            </a:pPr>
-            <a:r>
-              <a:rPr lang="en-US" sz="1400" b="1" dirty="0" smtClean="0">
-                <a:solidFill>
-                  <a:srgbClr val="C00000"/>
-                </a:solidFill>
-              </a:rPr>
-              <a:t>apply </a:t>
-            </a:r>
-            <a:endParaRPr lang="en-US" sz="1400" b="1" dirty="0">
-              <a:solidFill>
-                <a:srgbClr val="C00000"/>
-              </a:solidFill>
-            </a:endParaRPr>
-          </a:p>
-          <a:p>
-            <a:pPr eaLnBrk="1" hangingPunct="1">
-              <a:defRPr/>
-            </a:pPr>
-            <a:r>
-              <a:rPr lang="en-US" sz="1400" b="1" dirty="0" smtClean="0">
-                <a:solidFill>
-                  <a:srgbClr val="C00000"/>
-                </a:solidFill>
-              </a:rPr>
-              <a:t>   call </a:t>
-            </a:r>
-            <a:r>
-              <a:rPr lang="en-US" sz="1400" dirty="0" err="1" smtClean="0"/>
-              <a:t>LoopTiling</a:t>
-            </a:r>
-            <a:r>
-              <a:rPr lang="en-US" sz="1400" dirty="0" smtClean="0"/>
-              <a:t>(64);</a:t>
-            </a:r>
-          </a:p>
-          <a:p>
-            <a:pPr eaLnBrk="1" hangingPunct="1">
-              <a:defRPr/>
-            </a:pPr>
-            <a:r>
-              <a:rPr lang="en-US" sz="1400" b="1" dirty="0">
-                <a:solidFill>
-                  <a:srgbClr val="C00000"/>
-                </a:solidFill>
-              </a:rPr>
-              <a:t> </a:t>
-            </a:r>
-            <a:r>
-              <a:rPr lang="en-US" sz="1400" b="1" dirty="0" smtClean="0">
-                <a:solidFill>
-                  <a:srgbClr val="C00000"/>
-                </a:solidFill>
-              </a:rPr>
-              <a:t>  call </a:t>
-            </a:r>
-            <a:r>
-              <a:rPr lang="en-US" sz="1400" dirty="0" smtClean="0"/>
-              <a:t>Timer("ns");</a:t>
-            </a:r>
-            <a:endParaRPr lang="en-US" sz="1400" dirty="0"/>
-          </a:p>
-          <a:p>
-            <a:pPr eaLnBrk="1" hangingPunct="1">
-              <a:defRPr/>
-            </a:pPr>
-            <a:r>
-              <a:rPr lang="en-US" sz="1400" b="1" dirty="0" smtClean="0">
-                <a:solidFill>
-                  <a:srgbClr val="C00000"/>
-                </a:solidFill>
-              </a:rPr>
-              <a:t>end</a:t>
-            </a:r>
-            <a:endParaRPr lang="en-US" sz="1400" b="1" dirty="0">
-              <a:solidFill>
-                <a:srgbClr val="C00000"/>
-              </a:solidFill>
-            </a:endParaRPr>
-          </a:p>
-        </p:txBody>
-      </p:sp>
-      <p:sp>
-        <p:nvSpPr>
-          <p:cNvPr id="12" name="Slide Number Placeholder 11"/>
-          <p:cNvSpPr>
-            <a:spLocks noGrp="1"/>
-          </p:cNvSpPr>
-          <p:nvPr>
-            <p:ph type="sldNum" sz="quarter" idx="12"/>
-          </p:nvPr>
-        </p:nvSpPr>
-        <p:spPr/>
-        <p:txBody>
-          <a:bodyPr/>
-          <a:lstStyle/>
-          <a:p>
-            <a:fld id="{38DF255E-9420-4F7A-80EB-BC56962E5981}" type="slidenum">
-              <a:rPr lang="pt-PT" smtClean="0"/>
-              <a:pPr/>
-              <a:t>6</a:t>
-            </a:fld>
-            <a:endParaRPr lang="pt-PT" dirty="0"/>
-          </a:p>
-        </p:txBody>
-      </p:sp>
-    </p:spTree>
-    <p:extLst>
-      <p:ext uri="{BB962C8B-B14F-4D97-AF65-F5344CB8AC3E}">
-        <p14:creationId xmlns:p14="http://schemas.microsoft.com/office/powerpoint/2010/main" val="3701784530"/>
       </p:ext>
     </p:extLst>
   </p:cSld>
@@ -12040,6 +11681,687 @@
           <a:lstStyle/>
           <a:p>
             <a:r>
+              <a:rPr lang="en-US" dirty="0"/>
+              <a:t>Main LARA Features</a:t>
+            </a:r>
+            <a:endParaRPr lang="en-US" noProof="0" dirty="0"/>
+          </a:p>
+        </p:txBody>
+      </p:sp>
+      <p:sp>
+        <p:nvSpPr>
+          <p:cNvPr id="7" name="Content Placeholder 6"/>
+          <p:cNvSpPr>
+            <a:spLocks noGrp="1"/>
+          </p:cNvSpPr>
+          <p:nvPr>
+            <p:ph idx="1"/>
+          </p:nvPr>
+        </p:nvSpPr>
+        <p:spPr>
+          <a:xfrm>
+            <a:off x="628650" y="1369219"/>
+            <a:ext cx="5252861" cy="3263504"/>
+          </a:xfrm>
+        </p:spPr>
+        <p:txBody>
+          <a:bodyPr>
+            <a:normAutofit/>
+          </a:bodyPr>
+          <a:lstStyle/>
+          <a:p>
+            <a:r>
+              <a:rPr lang="en-US" b="1" noProof="0" dirty="0" smtClean="0"/>
+              <a:t>Declarative select-apply </a:t>
+            </a:r>
+            <a:r>
+              <a:rPr lang="en-US" noProof="0" dirty="0" smtClean="0"/>
+              <a:t>clauses</a:t>
+            </a:r>
+          </a:p>
+          <a:p>
+            <a:pPr lvl="1"/>
+            <a:r>
+              <a:rPr lang="en-US" b="1" noProof="0" dirty="0" smtClean="0"/>
+              <a:t>Select</a:t>
+            </a:r>
+            <a:r>
+              <a:rPr lang="en-US" noProof="0" dirty="0" smtClean="0"/>
+              <a:t> points of interest in the code</a:t>
+            </a:r>
+          </a:p>
+          <a:p>
+            <a:pPr lvl="1"/>
+            <a:r>
+              <a:rPr lang="en-US" b="1" noProof="0" dirty="0" smtClean="0"/>
+              <a:t>Apply</a:t>
+            </a:r>
+            <a:r>
+              <a:rPr lang="en-US" noProof="0" dirty="0" smtClean="0"/>
+              <a:t> code transformations over them</a:t>
+            </a:r>
+          </a:p>
+          <a:p>
+            <a:endParaRPr lang="en-US" noProof="0" dirty="0" smtClean="0"/>
+          </a:p>
+          <a:p>
+            <a:r>
+              <a:rPr lang="en-US" dirty="0"/>
+              <a:t>Modularity and reuse based on </a:t>
+            </a:r>
+            <a:r>
+              <a:rPr lang="en-US" b="1" dirty="0"/>
+              <a:t>calling</a:t>
+            </a:r>
+            <a:r>
+              <a:rPr lang="en-US" dirty="0"/>
+              <a:t> </a:t>
+            </a:r>
+            <a:r>
+              <a:rPr lang="en-US" b="1" dirty="0"/>
+              <a:t>aspects</a:t>
+            </a:r>
+            <a:r>
+              <a:rPr lang="en-US" dirty="0"/>
+              <a:t> and </a:t>
+            </a:r>
+            <a:r>
+              <a:rPr lang="en-US" b="1" dirty="0"/>
+              <a:t>using parameters</a:t>
+            </a:r>
+          </a:p>
+          <a:p>
+            <a:endParaRPr lang="en-US" b="1" noProof="0" dirty="0" smtClean="0"/>
+          </a:p>
+          <a:p>
+            <a:r>
+              <a:rPr lang="en-US" b="1" noProof="0" dirty="0" smtClean="0"/>
+              <a:t>Composition of strategies </a:t>
+            </a:r>
+            <a:r>
+              <a:rPr lang="en-US" noProof="0" dirty="0" smtClean="0"/>
+              <a:t>based on other strategies</a:t>
+            </a:r>
+          </a:p>
+          <a:p>
+            <a:endParaRPr lang="en-US" noProof="0" dirty="0" smtClean="0"/>
+          </a:p>
+        </p:txBody>
+      </p:sp>
+      <p:sp>
+        <p:nvSpPr>
+          <p:cNvPr id="8" name="Rectangle 1"/>
+          <p:cNvSpPr>
+            <a:spLocks noChangeArrowheads="1"/>
+          </p:cNvSpPr>
+          <p:nvPr/>
+        </p:nvSpPr>
+        <p:spPr bwMode="auto">
+          <a:xfrm>
+            <a:off x="6457950" y="1452981"/>
+            <a:ext cx="2279650" cy="954107"/>
+          </a:xfrm>
+          <a:prstGeom prst="rect">
+            <a:avLst/>
+          </a:prstGeom>
+          <a:solidFill>
+            <a:schemeClr val="bg1"/>
+          </a:solidFill>
+          <a:ln>
+            <a:headEnd/>
+            <a:tailEnd/>
+          </a:ln>
+        </p:spPr>
+        <p:style>
+          <a:lnRef idx="0">
+            <a:schemeClr val="accent3"/>
+          </a:lnRef>
+          <a:fillRef idx="3">
+            <a:schemeClr val="accent3"/>
+          </a:fillRef>
+          <a:effectRef idx="3">
+            <a:schemeClr val="accent3"/>
+          </a:effectRef>
+          <a:fontRef idx="minor">
+            <a:schemeClr val="lt1"/>
+          </a:fontRef>
+        </p:style>
+        <p:txBody>
+          <a:bodyPr wrap="square" anchor="ctr">
+            <a:spAutoFit/>
+          </a:bodyPr>
+          <a:lstStyle>
+            <a:lvl1pPr eaLnBrk="0" hangingPunct="0">
+              <a:defRPr>
+                <a:solidFill>
+                  <a:schemeClr val="tx1"/>
+                </a:solidFill>
+                <a:latin typeface="Arial" pitchFamily="34" charset="0"/>
+                <a:cs typeface="Arial" pitchFamily="34" charset="0"/>
+              </a:defRPr>
+            </a:lvl1pPr>
+            <a:lvl2pPr marL="742950" indent="-285750" eaLnBrk="0" hangingPunct="0">
+              <a:defRPr>
+                <a:solidFill>
+                  <a:schemeClr val="tx1"/>
+                </a:solidFill>
+                <a:latin typeface="Arial" pitchFamily="34" charset="0"/>
+                <a:cs typeface="Arial" pitchFamily="34" charset="0"/>
+              </a:defRPr>
+            </a:lvl2pPr>
+            <a:lvl3pPr marL="1143000" indent="-228600" eaLnBrk="0" hangingPunct="0">
+              <a:defRPr>
+                <a:solidFill>
+                  <a:schemeClr val="tx1"/>
+                </a:solidFill>
+                <a:latin typeface="Arial" pitchFamily="34" charset="0"/>
+                <a:cs typeface="Arial" pitchFamily="34" charset="0"/>
+              </a:defRPr>
+            </a:lvl3pPr>
+            <a:lvl4pPr marL="1600200" indent="-228600" eaLnBrk="0" hangingPunct="0">
+              <a:defRPr>
+                <a:solidFill>
+                  <a:schemeClr val="tx1"/>
+                </a:solidFill>
+                <a:latin typeface="Arial" pitchFamily="34" charset="0"/>
+                <a:cs typeface="Arial" pitchFamily="34" charset="0"/>
+              </a:defRPr>
+            </a:lvl4pPr>
+            <a:lvl5pPr marL="2057400" indent="-228600" eaLnBrk="0" hangingPunct="0">
+              <a:defRPr>
+                <a:solidFill>
+                  <a:schemeClr val="tx1"/>
+                </a:solidFill>
+                <a:latin typeface="Arial" pitchFamily="34" charset="0"/>
+                <a:cs typeface="Arial" pitchFamily="34" charset="0"/>
+              </a:defRPr>
+            </a:lvl5pPr>
+            <a:lvl6pPr marL="2514600" indent="-228600" eaLnBrk="0" fontAlgn="base" hangingPunct="0">
+              <a:spcBef>
+                <a:spcPct val="0"/>
+              </a:spcBef>
+              <a:spcAft>
+                <a:spcPct val="0"/>
+              </a:spcAft>
+              <a:defRPr>
+                <a:solidFill>
+                  <a:schemeClr val="tx1"/>
+                </a:solidFill>
+                <a:latin typeface="Arial" pitchFamily="34" charset="0"/>
+                <a:cs typeface="Arial" pitchFamily="34" charset="0"/>
+              </a:defRPr>
+            </a:lvl6pPr>
+            <a:lvl7pPr marL="2971800" indent="-228600" eaLnBrk="0" fontAlgn="base" hangingPunct="0">
+              <a:spcBef>
+                <a:spcPct val="0"/>
+              </a:spcBef>
+              <a:spcAft>
+                <a:spcPct val="0"/>
+              </a:spcAft>
+              <a:defRPr>
+                <a:solidFill>
+                  <a:schemeClr val="tx1"/>
+                </a:solidFill>
+                <a:latin typeface="Arial" pitchFamily="34" charset="0"/>
+                <a:cs typeface="Arial" pitchFamily="34" charset="0"/>
+              </a:defRPr>
+            </a:lvl7pPr>
+            <a:lvl8pPr marL="3429000" indent="-228600" eaLnBrk="0" fontAlgn="base" hangingPunct="0">
+              <a:spcBef>
+                <a:spcPct val="0"/>
+              </a:spcBef>
+              <a:spcAft>
+                <a:spcPct val="0"/>
+              </a:spcAft>
+              <a:defRPr>
+                <a:solidFill>
+                  <a:schemeClr val="tx1"/>
+                </a:solidFill>
+                <a:latin typeface="Arial" pitchFamily="34" charset="0"/>
+                <a:cs typeface="Arial" pitchFamily="34" charset="0"/>
+              </a:defRPr>
+            </a:lvl8pPr>
+            <a:lvl9pPr marL="3886200" indent="-228600" eaLnBrk="0" fontAlgn="base" hangingPunct="0">
+              <a:spcBef>
+                <a:spcPct val="0"/>
+              </a:spcBef>
+              <a:spcAft>
+                <a:spcPct val="0"/>
+              </a:spcAft>
+              <a:defRPr>
+                <a:solidFill>
+                  <a:schemeClr val="tx1"/>
+                </a:solidFill>
+                <a:latin typeface="Arial" pitchFamily="34" charset="0"/>
+                <a:cs typeface="Arial" pitchFamily="34" charset="0"/>
+              </a:defRPr>
+            </a:lvl9pPr>
+          </a:lstStyle>
+          <a:p>
+            <a:pPr eaLnBrk="1" hangingPunct="1">
+              <a:defRPr/>
+            </a:pPr>
+            <a:r>
+              <a:rPr lang="en-US" sz="1400" b="1" dirty="0" smtClean="0">
+                <a:solidFill>
+                  <a:srgbClr val="C00000"/>
+                </a:solidFill>
+              </a:rPr>
+              <a:t>select</a:t>
+            </a:r>
+            <a:r>
+              <a:rPr lang="en-US" sz="1400" dirty="0" smtClean="0">
+                <a:solidFill>
+                  <a:srgbClr val="C00000"/>
+                </a:solidFill>
+              </a:rPr>
+              <a:t> </a:t>
+            </a:r>
+            <a:r>
+              <a:rPr lang="en-US" sz="1400" dirty="0" smtClean="0">
+                <a:solidFill>
+                  <a:srgbClr val="0C0C0C"/>
+                </a:solidFill>
+              </a:rPr>
+              <a:t>method </a:t>
+            </a:r>
+            <a:r>
+              <a:rPr lang="en-US" sz="1400" b="1" dirty="0">
+                <a:solidFill>
+                  <a:srgbClr val="C00000"/>
+                </a:solidFill>
+              </a:rPr>
+              <a:t>end</a:t>
+            </a:r>
+            <a:endParaRPr lang="pt-PT" sz="1400" b="1" dirty="0">
+              <a:solidFill>
+                <a:srgbClr val="C00000"/>
+              </a:solidFill>
+            </a:endParaRPr>
+          </a:p>
+          <a:p>
+            <a:pPr eaLnBrk="1" hangingPunct="1">
+              <a:defRPr/>
+            </a:pPr>
+            <a:r>
+              <a:rPr lang="en-US" sz="1400" b="1" dirty="0" smtClean="0">
+                <a:solidFill>
+                  <a:srgbClr val="C00000"/>
+                </a:solidFill>
+              </a:rPr>
+              <a:t>apply </a:t>
+            </a:r>
+            <a:endParaRPr lang="en-US" sz="1400" b="1" dirty="0">
+              <a:solidFill>
+                <a:srgbClr val="C00000"/>
+              </a:solidFill>
+            </a:endParaRPr>
+          </a:p>
+          <a:p>
+            <a:pPr eaLnBrk="1" hangingPunct="1">
+              <a:defRPr/>
+            </a:pPr>
+            <a:r>
+              <a:rPr lang="en-US" sz="1400" dirty="0">
+                <a:solidFill>
+                  <a:srgbClr val="0C0C0C"/>
+                </a:solidFill>
+              </a:rPr>
+              <a:t>      </a:t>
+            </a:r>
+            <a:r>
+              <a:rPr lang="en-US" sz="1400" dirty="0" smtClean="0">
+                <a:solidFill>
+                  <a:srgbClr val="0C0C0C"/>
+                </a:solidFill>
+              </a:rPr>
+              <a:t>…</a:t>
+            </a:r>
+            <a:endParaRPr lang="en-US" sz="1400" dirty="0">
+              <a:solidFill>
+                <a:srgbClr val="0C0C0C"/>
+              </a:solidFill>
+            </a:endParaRPr>
+          </a:p>
+          <a:p>
+            <a:pPr eaLnBrk="1" hangingPunct="1">
+              <a:defRPr/>
+            </a:pPr>
+            <a:r>
+              <a:rPr lang="en-GB" sz="1400" b="1" dirty="0" smtClean="0">
+                <a:solidFill>
+                  <a:srgbClr val="C00000"/>
+                </a:solidFill>
+              </a:rPr>
+              <a:t>end</a:t>
+            </a:r>
+            <a:endParaRPr lang="pt-PT" sz="1400" b="1" dirty="0">
+              <a:solidFill>
+                <a:srgbClr val="C00000"/>
+              </a:solidFill>
+            </a:endParaRPr>
+          </a:p>
+        </p:txBody>
+      </p:sp>
+      <p:sp>
+        <p:nvSpPr>
+          <p:cNvPr id="11" name="Rectangle 1"/>
+          <p:cNvSpPr>
+            <a:spLocks noChangeArrowheads="1"/>
+          </p:cNvSpPr>
+          <p:nvPr/>
+        </p:nvSpPr>
+        <p:spPr bwMode="auto">
+          <a:xfrm>
+            <a:off x="6457950" y="3211722"/>
+            <a:ext cx="2279650" cy="954107"/>
+          </a:xfrm>
+          <a:prstGeom prst="rect">
+            <a:avLst/>
+          </a:prstGeom>
+          <a:solidFill>
+            <a:schemeClr val="bg1"/>
+          </a:solidFill>
+          <a:ln>
+            <a:headEnd/>
+            <a:tailEnd/>
+          </a:ln>
+        </p:spPr>
+        <p:style>
+          <a:lnRef idx="0">
+            <a:schemeClr val="accent3"/>
+          </a:lnRef>
+          <a:fillRef idx="3">
+            <a:schemeClr val="accent3"/>
+          </a:fillRef>
+          <a:effectRef idx="3">
+            <a:schemeClr val="accent3"/>
+          </a:effectRef>
+          <a:fontRef idx="minor">
+            <a:schemeClr val="lt1"/>
+          </a:fontRef>
+        </p:style>
+        <p:txBody>
+          <a:bodyPr wrap="square" anchor="ctr">
+            <a:spAutoFit/>
+          </a:bodyPr>
+          <a:lstStyle>
+            <a:lvl1pPr eaLnBrk="0" hangingPunct="0">
+              <a:defRPr>
+                <a:solidFill>
+                  <a:schemeClr val="tx1"/>
+                </a:solidFill>
+                <a:latin typeface="Arial" pitchFamily="34" charset="0"/>
+                <a:cs typeface="Arial" pitchFamily="34" charset="0"/>
+              </a:defRPr>
+            </a:lvl1pPr>
+            <a:lvl2pPr marL="742950" indent="-285750" eaLnBrk="0" hangingPunct="0">
+              <a:defRPr>
+                <a:solidFill>
+                  <a:schemeClr val="tx1"/>
+                </a:solidFill>
+                <a:latin typeface="Arial" pitchFamily="34" charset="0"/>
+                <a:cs typeface="Arial" pitchFamily="34" charset="0"/>
+              </a:defRPr>
+            </a:lvl2pPr>
+            <a:lvl3pPr marL="1143000" indent="-228600" eaLnBrk="0" hangingPunct="0">
+              <a:defRPr>
+                <a:solidFill>
+                  <a:schemeClr val="tx1"/>
+                </a:solidFill>
+                <a:latin typeface="Arial" pitchFamily="34" charset="0"/>
+                <a:cs typeface="Arial" pitchFamily="34" charset="0"/>
+              </a:defRPr>
+            </a:lvl3pPr>
+            <a:lvl4pPr marL="1600200" indent="-228600" eaLnBrk="0" hangingPunct="0">
+              <a:defRPr>
+                <a:solidFill>
+                  <a:schemeClr val="tx1"/>
+                </a:solidFill>
+                <a:latin typeface="Arial" pitchFamily="34" charset="0"/>
+                <a:cs typeface="Arial" pitchFamily="34" charset="0"/>
+              </a:defRPr>
+            </a:lvl4pPr>
+            <a:lvl5pPr marL="2057400" indent="-228600" eaLnBrk="0" hangingPunct="0">
+              <a:defRPr>
+                <a:solidFill>
+                  <a:schemeClr val="tx1"/>
+                </a:solidFill>
+                <a:latin typeface="Arial" pitchFamily="34" charset="0"/>
+                <a:cs typeface="Arial" pitchFamily="34" charset="0"/>
+              </a:defRPr>
+            </a:lvl5pPr>
+            <a:lvl6pPr marL="2514600" indent="-228600" eaLnBrk="0" fontAlgn="base" hangingPunct="0">
+              <a:spcBef>
+                <a:spcPct val="0"/>
+              </a:spcBef>
+              <a:spcAft>
+                <a:spcPct val="0"/>
+              </a:spcAft>
+              <a:defRPr>
+                <a:solidFill>
+                  <a:schemeClr val="tx1"/>
+                </a:solidFill>
+                <a:latin typeface="Arial" pitchFamily="34" charset="0"/>
+                <a:cs typeface="Arial" pitchFamily="34" charset="0"/>
+              </a:defRPr>
+            </a:lvl6pPr>
+            <a:lvl7pPr marL="2971800" indent="-228600" eaLnBrk="0" fontAlgn="base" hangingPunct="0">
+              <a:spcBef>
+                <a:spcPct val="0"/>
+              </a:spcBef>
+              <a:spcAft>
+                <a:spcPct val="0"/>
+              </a:spcAft>
+              <a:defRPr>
+                <a:solidFill>
+                  <a:schemeClr val="tx1"/>
+                </a:solidFill>
+                <a:latin typeface="Arial" pitchFamily="34" charset="0"/>
+                <a:cs typeface="Arial" pitchFamily="34" charset="0"/>
+              </a:defRPr>
+            </a:lvl7pPr>
+            <a:lvl8pPr marL="3429000" indent="-228600" eaLnBrk="0" fontAlgn="base" hangingPunct="0">
+              <a:spcBef>
+                <a:spcPct val="0"/>
+              </a:spcBef>
+              <a:spcAft>
+                <a:spcPct val="0"/>
+              </a:spcAft>
+              <a:defRPr>
+                <a:solidFill>
+                  <a:schemeClr val="tx1"/>
+                </a:solidFill>
+                <a:latin typeface="Arial" pitchFamily="34" charset="0"/>
+                <a:cs typeface="Arial" pitchFamily="34" charset="0"/>
+              </a:defRPr>
+            </a:lvl8pPr>
+            <a:lvl9pPr marL="3886200" indent="-228600" eaLnBrk="0" fontAlgn="base" hangingPunct="0">
+              <a:spcBef>
+                <a:spcPct val="0"/>
+              </a:spcBef>
+              <a:spcAft>
+                <a:spcPct val="0"/>
+              </a:spcAft>
+              <a:defRPr>
+                <a:solidFill>
+                  <a:schemeClr val="tx1"/>
+                </a:solidFill>
+                <a:latin typeface="Arial" pitchFamily="34" charset="0"/>
+                <a:cs typeface="Arial" pitchFamily="34" charset="0"/>
+              </a:defRPr>
+            </a:lvl9pPr>
+          </a:lstStyle>
+          <a:p>
+            <a:pPr eaLnBrk="1" hangingPunct="1">
+              <a:defRPr/>
+            </a:pPr>
+            <a:r>
+              <a:rPr lang="en-US" sz="1400" b="1" dirty="0" smtClean="0">
+                <a:solidFill>
+                  <a:srgbClr val="C00000"/>
+                </a:solidFill>
+              </a:rPr>
+              <a:t>apply </a:t>
+            </a:r>
+            <a:endParaRPr lang="en-US" sz="1400" b="1" dirty="0">
+              <a:solidFill>
+                <a:srgbClr val="C00000"/>
+              </a:solidFill>
+            </a:endParaRPr>
+          </a:p>
+          <a:p>
+            <a:pPr eaLnBrk="1" hangingPunct="1">
+              <a:defRPr/>
+            </a:pPr>
+            <a:r>
+              <a:rPr lang="en-US" sz="1400" b="1" dirty="0" smtClean="0">
+                <a:solidFill>
+                  <a:srgbClr val="C00000"/>
+                </a:solidFill>
+              </a:rPr>
+              <a:t>   call </a:t>
+            </a:r>
+            <a:r>
+              <a:rPr lang="en-US" sz="1400" dirty="0" err="1" smtClean="0"/>
+              <a:t>LoopTiling</a:t>
+            </a:r>
+            <a:r>
+              <a:rPr lang="en-US" sz="1400" dirty="0" smtClean="0"/>
+              <a:t>(64);</a:t>
+            </a:r>
+          </a:p>
+          <a:p>
+            <a:pPr eaLnBrk="1" hangingPunct="1">
+              <a:defRPr/>
+            </a:pPr>
+            <a:r>
+              <a:rPr lang="en-US" sz="1400" b="1" dirty="0">
+                <a:solidFill>
+                  <a:srgbClr val="C00000"/>
+                </a:solidFill>
+              </a:rPr>
+              <a:t> </a:t>
+            </a:r>
+            <a:r>
+              <a:rPr lang="en-US" sz="1400" b="1" dirty="0" smtClean="0">
+                <a:solidFill>
+                  <a:srgbClr val="C00000"/>
+                </a:solidFill>
+              </a:rPr>
+              <a:t>  call </a:t>
+            </a:r>
+            <a:r>
+              <a:rPr lang="en-US" sz="1400" dirty="0" smtClean="0"/>
+              <a:t>Timer("ns");</a:t>
+            </a:r>
+            <a:endParaRPr lang="en-US" sz="1400" dirty="0"/>
+          </a:p>
+          <a:p>
+            <a:pPr eaLnBrk="1" hangingPunct="1">
+              <a:defRPr/>
+            </a:pPr>
+            <a:r>
+              <a:rPr lang="en-US" sz="1400" b="1" dirty="0" smtClean="0">
+                <a:solidFill>
+                  <a:srgbClr val="C00000"/>
+                </a:solidFill>
+              </a:rPr>
+              <a:t>end</a:t>
+            </a:r>
+            <a:endParaRPr lang="en-US" sz="1400" b="1" dirty="0">
+              <a:solidFill>
+                <a:srgbClr val="C00000"/>
+              </a:solidFill>
+            </a:endParaRPr>
+          </a:p>
+        </p:txBody>
+      </p:sp>
+      <p:sp>
+        <p:nvSpPr>
+          <p:cNvPr id="12" name="Slide Number Placeholder 11"/>
+          <p:cNvSpPr>
+            <a:spLocks noGrp="1"/>
+          </p:cNvSpPr>
+          <p:nvPr>
+            <p:ph type="sldNum" sz="quarter" idx="12"/>
+          </p:nvPr>
+        </p:nvSpPr>
+        <p:spPr/>
+        <p:txBody>
+          <a:bodyPr/>
+          <a:lstStyle/>
+          <a:p>
+            <a:fld id="{38DF255E-9420-4F7A-80EB-BC56962E5981}" type="slidenum">
+              <a:rPr lang="pt-PT" smtClean="0"/>
+              <a:pPr/>
+              <a:t>7</a:t>
+            </a:fld>
+            <a:endParaRPr lang="pt-PT" dirty="0"/>
+          </a:p>
+        </p:txBody>
+      </p:sp>
+    </p:spTree>
+    <p:extLst>
+      <p:ext uri="{BB962C8B-B14F-4D97-AF65-F5344CB8AC3E}">
+        <p14:creationId xmlns:p14="http://schemas.microsoft.com/office/powerpoint/2010/main" val="3701784530"/>
+      </p:ext>
+    </p:extLst>
+  </p:cSld>
+  <p:clrMapOvr>
+    <a:masterClrMapping/>
+  </p:clrMapOvr>
+  <mc:AlternateContent xmlns:mc="http://schemas.openxmlformats.org/markup-compatibility/2006" xmlns:p14="http://schemas.microsoft.com/office/powerpoint/2010/main">
+    <mc:Choice Requires="p14">
+      <p:transition p14:dur="0"/>
+    </mc:Choice>
+    <mc:Fallback xmlns="">
+      <p:transition/>
+    </mc:Fallback>
+  </mc:AlternateContent>
+  <p:timing>
+    <p:tnLst>
+      <p:par>
+        <p:cTn id="1" dur="indefinite" restart="never" nodeType="tmRoot"/>
+      </p:par>
+    </p:tnLst>
+  </p:timing>
+</p:sld>
+</file>
+
+<file path=ppt/slides/slide8.xml><?xml version="1.0" encoding="utf-8"?>
+<p:sld xmlns:a="http://schemas.openxmlformats.org/drawingml/2006/main" xmlns:r="http://schemas.openxmlformats.org/officeDocument/2006/relationships" xmlns:p="http://schemas.openxmlformats.org/presentationml/2006/main">
+  <p:cSld>
+    <p:spTree>
+      <p:nvGrpSpPr>
+        <p:cNvPr id="1" name=""/>
+        <p:cNvGrpSpPr/>
+        <p:nvPr/>
+      </p:nvGrpSpPr>
+      <p:grpSpPr>
+        <a:xfrm>
+          <a:off x="0" y="0"/>
+          <a:ext cx="0" cy="0"/>
+          <a:chOff x="0" y="0"/>
+          <a:chExt cx="0" cy="0"/>
+        </a:xfrm>
+      </p:grpSpPr>
+      <p:sp>
+        <p:nvSpPr>
+          <p:cNvPr id="6" name="Title 5"/>
+          <p:cNvSpPr>
+            <a:spLocks noGrp="1"/>
+          </p:cNvSpPr>
+          <p:nvPr>
+            <p:ph type="title"/>
+          </p:nvPr>
+        </p:nvSpPr>
+        <p:spPr/>
+        <p:txBody>
+          <a:bodyPr/>
+          <a:lstStyle/>
+          <a:p>
+            <a:r>
               <a:rPr lang="en-US" noProof="0" dirty="0" smtClean="0"/>
               <a:t>LARA Select</a:t>
             </a:r>
@@ -12331,7 +12653,7 @@
             <a:fld id="{38DF255E-9420-4F7A-80EB-BC56962E5981}" type="slidenum">
               <a:rPr lang="pt-PT" smtClean="0"/>
               <a:pPr/>
-              <a:t>7</a:t>
+              <a:t>8</a:t>
             </a:fld>
             <a:endParaRPr lang="pt-PT" dirty="0"/>
           </a:p>
@@ -12745,11 +13067,7 @@
             </a:r>
             <a:r>
               <a:rPr lang="en-US" sz="1400" dirty="0" smtClean="0"/>
-              <a:t>function{name</a:t>
-            </a:r>
-            <a:r>
-              <a:rPr lang="en-US" sz="1400" dirty="0" smtClean="0"/>
-              <a:t>===</a:t>
+              <a:t>function{name===</a:t>
             </a:r>
             <a:r>
               <a:rPr lang="en-US" sz="1400" dirty="0" smtClean="0">
@@ -12759,17 +13077,7 @@
                   </a:schemeClr>
                 </a:solidFill>
               </a:rPr>
-              <a:t>"</a:t>
-            </a:r>
-            <a:r>
-              <a:rPr lang="en-US" sz="1400" dirty="0" smtClean="0">
-                <a:solidFill>
-                  <a:schemeClr val="accent1">
-                    <a:lumMod val="75000"/>
-                  </a:schemeClr>
-                </a:solidFill>
-              </a:rPr>
-              <a:t>draw"</a:t>
+              <a:t>"draw"</a:t>
             </a:r>
             <a:r>
               <a:rPr lang="en-US" sz="1400" dirty="0" smtClean="0"/>
@@ -13040,7 +13348,7 @@
 </p:sld>
 </file>
 
-<file path=ppt/slides/slide8.xml><?xml version="1.0" encoding="utf-8"?>
+<file path=ppt/slides/slide9.xml><?xml version="1.0" encoding="utf-8"?>
 <p:sld xmlns:a="http://schemas.openxmlformats.org/drawingml/2006/main" xmlns:r="http://schemas.openxmlformats.org/officeDocument/2006/relationships" xmlns:p="http://schemas.openxmlformats.org/presentationml/2006/main">
   <p:cSld>
     <p:spTree>
@@ -13145,7 +13453,7 @@
             <a:fld id="{38DF255E-9420-4F7A-80EB-BC56962E5981}" type="slidenum">
               <a:rPr lang="pt-PT" smtClean="0"/>
               <a:pPr/>
-              <a:t>8</a:t>
+              <a:t>9</a:t>
             </a:fld>
             <a:endParaRPr lang="pt-PT" dirty="0"/>
           </a:p>
@@ -14216,297 +14524,6 @@
       <p:bldP spid="9" grpId="0"/>
       <p:bldP spid="2" grpId="0" animBg="1"/>
     </p:bldLst>
-  </p:timing>
-</p:sld>
-</file>
-
-<file path=ppt/slides/slide9.xml><?xml version="1.0" encoding="utf-8"?>
-<p:sld xmlns:a="http://schemas.openxmlformats.org/drawingml/2006/main" xmlns:r="http://schemas.openxmlformats.org/officeDocument/2006/relationships" xmlns:p="http://schemas.openxmlformats.org/presentationml/2006/main">
-  <p:cSld>
-    <p:spTree>
-      <p:nvGrpSpPr>
-        <p:cNvPr id="1" name=""/>
-        <p:cNvGrpSpPr/>
-        <p:nvPr/>
-      </p:nvGrpSpPr>
-      <p:grpSpPr>
-        <a:xfrm>
-          <a:off x="0" y="0"/>
-          <a:ext cx="0" cy="0"/>
-          <a:chOff x="0" y="0"/>
-          <a:chExt cx="0" cy="0"/>
-        </a:xfrm>
-      </p:grpSpPr>
-      <p:pic>
-        <p:nvPicPr>
-          <p:cNvPr id="3" name="Picture 2" descr="Screen Clipping"/>
-          <p:cNvPicPr>
-            <a:picLocks noChangeAspect="1"/>
-          </p:cNvPicPr>
-          <p:nvPr/>
-        </p:nvPicPr>
-        <p:blipFill>
-          <a:blip r:embed="rId3" cstate="email">
-            <a:extLst>
-              <a:ext uri="{28A0092B-C50C-407E-A947-70E740481C1C}">
-                <a14:useLocalDpi xmlns:a14="http://schemas.microsoft.com/office/drawing/2010/main" val="0"/>
-              </a:ext>
-            </a:extLst>
-          </a:blip>
-          <a:stretch>
-            <a:fillRect/>
-          </a:stretch>
-        </p:blipFill>
-        <p:spPr>
-          <a:xfrm>
-            <a:off x="1270728" y="2228850"/>
-            <a:ext cx="2800350" cy="2149827"/>
-          </a:xfrm>
-          <a:prstGeom prst="rect">
-            <a:avLst/>
-          </a:prstGeom>
-          <a:ln w="12700">
-            <a:solidFill>
-              <a:schemeClr val="tx1"/>
-            </a:solidFill>
-          </a:ln>
-          <a:effectLst>
-            <a:outerShdw blurRad="190500" algn="tl" rotWithShape="0">
-              <a:srgbClr val="000000">
-                <a:alpha val="70000"/>
-              </a:srgbClr>
-            </a:outerShdw>
-          </a:effectLst>
-        </p:spPr>
-      </p:pic>
-      <p:pic>
-        <p:nvPicPr>
-          <p:cNvPr id="4" name="Picture 3" descr="Screen Clipping"/>
-          <p:cNvPicPr>
-            <a:picLocks noChangeAspect="1"/>
-          </p:cNvPicPr>
-          <p:nvPr/>
-        </p:nvPicPr>
-        <p:blipFill>
-          <a:blip r:embed="rId4" cstate="email">
-            <a:extLst>
-              <a:ext uri="{28A0092B-C50C-407E-A947-70E740481C1C}">
-                <a14:useLocalDpi xmlns:a14="http://schemas.microsoft.com/office/drawing/2010/main" val="0"/>
-              </a:ext>
-            </a:extLst>
-          </a:blip>
-          <a:stretch>
-            <a:fillRect/>
-          </a:stretch>
-        </p:blipFill>
-        <p:spPr>
-          <a:xfrm>
-            <a:off x="4995493" y="2158345"/>
-            <a:ext cx="2919446" cy="2220332"/>
-          </a:xfrm>
-          <a:prstGeom prst="rect">
-            <a:avLst/>
-          </a:prstGeom>
-          <a:ln w="12700">
-            <a:solidFill>
-              <a:schemeClr val="tx1"/>
-            </a:solidFill>
-          </a:ln>
-          <a:effectLst>
-            <a:outerShdw blurRad="190500" algn="tl" rotWithShape="0">
-              <a:srgbClr val="000000">
-                <a:alpha val="70000"/>
-              </a:srgbClr>
-            </a:outerShdw>
-          </a:effectLst>
-        </p:spPr>
-      </p:pic>
-      <p:sp>
-        <p:nvSpPr>
-          <p:cNvPr id="7" name="TextBox 6"/>
-          <p:cNvSpPr txBox="1"/>
-          <p:nvPr/>
-        </p:nvSpPr>
-        <p:spPr>
-          <a:xfrm>
-            <a:off x="2213951" y="2073184"/>
-            <a:ext cx="1079398" cy="553998"/>
-          </a:xfrm>
-          <a:prstGeom prst="rect">
-            <a:avLst/>
-          </a:prstGeom>
-          <a:solidFill>
-            <a:srgbClr val="002060"/>
-          </a:solidFill>
-        </p:spPr>
-        <p:txBody>
-          <a:bodyPr wrap="square" rtlCol="0">
-            <a:spAutoFit/>
-          </a:bodyPr>
-          <a:lstStyle/>
-          <a:p>
-            <a:r>
-              <a:rPr lang="en-GB" sz="1500" dirty="0">
-                <a:solidFill>
-                  <a:schemeClr val="bg1"/>
-                </a:solidFill>
-              </a:rPr>
-              <a:t>Reusable Strategies</a:t>
-            </a:r>
-          </a:p>
-        </p:txBody>
-      </p:sp>
-      <p:sp>
-        <p:nvSpPr>
-          <p:cNvPr id="8" name="TextBox 7"/>
-          <p:cNvSpPr txBox="1"/>
-          <p:nvPr/>
-        </p:nvSpPr>
-        <p:spPr>
-          <a:xfrm>
-            <a:off x="4671489" y="2301475"/>
-            <a:ext cx="1257300" cy="553998"/>
-          </a:xfrm>
-          <a:prstGeom prst="rect">
-            <a:avLst/>
-          </a:prstGeom>
-          <a:solidFill>
-            <a:srgbClr val="002060"/>
-          </a:solidFill>
-        </p:spPr>
-        <p:txBody>
-          <a:bodyPr wrap="square" rtlCol="0">
-            <a:spAutoFit/>
-          </a:bodyPr>
-          <a:lstStyle/>
-          <a:p>
-            <a:r>
-              <a:rPr lang="en-US" sz="1500" dirty="0">
-                <a:solidFill>
-                  <a:schemeClr val="bg1"/>
-                </a:solidFill>
-              </a:rPr>
-              <a:t>Custom </a:t>
-            </a:r>
-            <a:r>
-              <a:rPr lang="en-US" sz="1500" dirty="0" err="1">
-                <a:solidFill>
-                  <a:schemeClr val="bg1"/>
-                </a:solidFill>
-              </a:rPr>
-              <a:t>Targetability</a:t>
-            </a:r>
-            <a:endParaRPr lang="en-US" sz="1500" dirty="0">
-              <a:solidFill>
-                <a:schemeClr val="bg1"/>
-              </a:solidFill>
-            </a:endParaRPr>
-          </a:p>
-        </p:txBody>
-      </p:sp>
-      <p:sp>
-        <p:nvSpPr>
-          <p:cNvPr id="10" name="Title 9"/>
-          <p:cNvSpPr>
-            <a:spLocks noGrp="1"/>
-          </p:cNvSpPr>
-          <p:nvPr>
-            <p:ph type="title"/>
-          </p:nvPr>
-        </p:nvSpPr>
-        <p:spPr/>
-        <p:txBody>
-          <a:bodyPr>
-            <a:normAutofit/>
-          </a:bodyPr>
-          <a:lstStyle/>
-          <a:p>
-            <a:r>
-              <a:rPr lang="en-US" noProof="0" dirty="0" smtClean="0"/>
-              <a:t>LARA Reusability and </a:t>
-            </a:r>
-            <a:r>
-              <a:rPr lang="en-US" noProof="0" dirty="0" err="1" smtClean="0"/>
-              <a:t>Targetability</a:t>
-            </a:r>
-            <a:endParaRPr lang="en-US" noProof="0" dirty="0"/>
-          </a:p>
-        </p:txBody>
-      </p:sp>
-      <p:sp>
-        <p:nvSpPr>
-          <p:cNvPr id="12" name="Slide Number Placeholder 11"/>
-          <p:cNvSpPr>
-            <a:spLocks noGrp="1"/>
-          </p:cNvSpPr>
-          <p:nvPr>
-            <p:ph type="sldNum" sz="quarter" idx="12"/>
-          </p:nvPr>
-        </p:nvSpPr>
-        <p:spPr/>
-        <p:txBody>
-          <a:bodyPr/>
-          <a:lstStyle/>
-          <a:p>
-            <a:fld id="{38DF255E-9420-4F7A-80EB-BC56962E5981}" type="slidenum">
-              <a:rPr lang="pt-PT" smtClean="0"/>
-              <a:pPr/>
-              <a:t>9</a:t>
-            </a:fld>
-            <a:endParaRPr lang="pt-PT" dirty="0"/>
-          </a:p>
-        </p:txBody>
-      </p:sp>
-      <p:sp>
-        <p:nvSpPr>
-          <p:cNvPr id="5" name="TextBox 4"/>
-          <p:cNvSpPr txBox="1"/>
-          <p:nvPr/>
-        </p:nvSpPr>
-        <p:spPr>
-          <a:xfrm>
-            <a:off x="1756237" y="4621107"/>
-            <a:ext cx="9165763" cy="300082"/>
-          </a:xfrm>
-          <a:prstGeom prst="rect">
-            <a:avLst/>
-          </a:prstGeom>
-          <a:noFill/>
-        </p:spPr>
-        <p:txBody>
-          <a:bodyPr wrap="square" rtlCol="0">
-            <a:spAutoFit/>
-          </a:bodyPr>
-          <a:lstStyle/>
-          <a:p>
-            <a:endParaRPr lang="en-US" dirty="0"/>
-          </a:p>
-        </p:txBody>
-      </p:sp>
-    </p:spTree>
-    <p:extLst>
-      <p:ext uri="{BB962C8B-B14F-4D97-AF65-F5344CB8AC3E}">
-        <p14:creationId xmlns:p14="http://schemas.microsoft.com/office/powerpoint/2010/main" val="425610123"/>
-      </p:ext>
-    </p:extLst>
-  </p:cSld>
-  <p:clrMapOvr>
-    <a:masterClrMapping/>
-  </p:clrMapOvr>
-  <mc:AlternateContent xmlns:mc="http://schemas.openxmlformats.org/markup-compatibility/2006" xmlns:p14="http://schemas.microsoft.com/office/powerpoint/2010/main">
-    <mc:Choice Requires="p14">
-      <p:transition p14:dur="0"/>
-    </mc:Choice>
-    <mc:Fallback xmlns="">
-      <p:transition/>
-    </mc:Fallback>
-  </mc:AlternateContent>
-  <p:timing>
-    <p:tnLst>
-      <p:par>
-        <p:cTn id="1" dur="indefinite" restart="never" nodeType="tmRoot"/>
-      </p:par>
-    </p:tnLst>
   </p:timing>
 </p:sld>
 </file>
